--- a/Alcohol Sales in Texas.pptx
+++ b/Alcohol Sales in Texas.pptx
@@ -4332,6 +4332,14 @@
 <file path=ppt/slides/slide13.xml><?xml version="1.0" encoding="utf-8"?>
 <p:sld xmlns:a="http://schemas.openxmlformats.org/drawingml/2006/main" xmlns:r="http://schemas.openxmlformats.org/officeDocument/2006/relationships" xmlns:p="http://schemas.openxmlformats.org/presentationml/2006/main">
   <p:cSld>
+    <p:bg>
+      <p:bgPr>
+        <a:solidFill>
+          <a:schemeClr val="bg1"/>
+        </a:solidFill>
+        <a:effectLst/>
+      </p:bgPr>
+    </p:bg>
     <p:spTree>
       <p:nvGrpSpPr>
         <p:cNvPr id="1" name=""/>
@@ -4348,6 +4356,132 @@
       </p:grpSpPr>
       <p:sp>
         <p:nvSpPr>
+          <p:cNvPr id="10" name="Rectangle 9">
+            <a:extLst>
+              <a:ext uri="{FF2B5EF4-FFF2-40B4-BE49-F238E27FC236}">
+                <a16:creationId xmlns:a16="http://schemas.microsoft.com/office/drawing/2014/main" id="{6753252F-4873-4F63-801D-CC719279A7D5}"/>
+              </a:ext>
+              <a:ext uri="{C183D7F6-B498-43B3-948B-1728B52AA6E4}">
+                <adec:decorative xmlns:adec="http://schemas.microsoft.com/office/drawing/2017/decorative" val="1"/>
+              </a:ext>
+            </a:extLst>
+          </p:cNvPr>
+          <p:cNvSpPr>
+            <a:spLocks noGrp="1" noRot="1" noChangeAspect="1" noMove="1" noResize="1" noEditPoints="1" noAdjustHandles="1" noChangeArrowheads="1" noChangeShapeType="1" noTextEdit="1"/>
+          </p:cNvSpPr>
+          <p:nvPr>
+            <p:extLst>
+              <p:ext uri="{386F3935-93C4-4BCD-93E2-E3B085C9AB24}">
+                <p16:designElem xmlns:p16="http://schemas.microsoft.com/office/powerpoint/2015/main" val="1"/>
+              </p:ext>
+            </p:extLst>
+          </p:nvPr>
+        </p:nvSpPr>
+        <p:spPr>
+          <a:xfrm>
+            <a:off x="0" y="0"/>
+            <a:ext cx="12192000" cy="6858000"/>
+          </a:xfrm>
+          <a:prstGeom prst="rect">
+            <a:avLst/>
+          </a:prstGeom>
+          <a:solidFill>
+            <a:srgbClr val="FFFFFF"/>
+          </a:solidFill>
+          <a:ln>
+            <a:noFill/>
+          </a:ln>
+        </p:spPr>
+        <p:style>
+          <a:lnRef idx="2">
+            <a:schemeClr val="accent1">
+              <a:shade val="50000"/>
+            </a:schemeClr>
+          </a:lnRef>
+          <a:fillRef idx="1">
+            <a:schemeClr val="accent1"/>
+          </a:fillRef>
+          <a:effectRef idx="0">
+            <a:schemeClr val="accent1"/>
+          </a:effectRef>
+          <a:fontRef idx="minor">
+            <a:schemeClr val="lt1"/>
+          </a:fontRef>
+        </p:style>
+        <p:txBody>
+          <a:bodyPr rtlCol="0" anchor="ctr"/>
+          <a:lstStyle/>
+          <a:p>
+            <a:pPr algn="ctr"/>
+            <a:endParaRPr lang="en-US"/>
+          </a:p>
+        </p:txBody>
+      </p:sp>
+      <p:sp>
+        <p:nvSpPr>
+          <p:cNvPr id="12" name="Rectangle 11">
+            <a:extLst>
+              <a:ext uri="{FF2B5EF4-FFF2-40B4-BE49-F238E27FC236}">
+                <a16:creationId xmlns:a16="http://schemas.microsoft.com/office/drawing/2014/main" id="{047C8CCB-F95D-4249-92DD-651249D3535A}"/>
+              </a:ext>
+              <a:ext uri="{C183D7F6-B498-43B3-948B-1728B52AA6E4}">
+                <adec:decorative xmlns:adec="http://schemas.microsoft.com/office/drawing/2017/decorative" val="1"/>
+              </a:ext>
+            </a:extLst>
+          </p:cNvPr>
+          <p:cNvSpPr>
+            <a:spLocks noGrp="1" noRot="1" noChangeAspect="1" noMove="1" noResize="1" noEditPoints="1" noAdjustHandles="1" noChangeArrowheads="1" noChangeShapeType="1" noTextEdit="1"/>
+          </p:cNvSpPr>
+          <p:nvPr>
+            <p:extLst>
+              <p:ext uri="{386F3935-93C4-4BCD-93E2-E3B085C9AB24}">
+                <p16:designElem xmlns:p16="http://schemas.microsoft.com/office/powerpoint/2015/main" val="1"/>
+              </p:ext>
+            </p:extLst>
+          </p:nvPr>
+        </p:nvSpPr>
+        <p:spPr>
+          <a:xfrm>
+            <a:off x="0" y="0"/>
+            <a:ext cx="2013557" cy="6858000"/>
+          </a:xfrm>
+          <a:prstGeom prst="rect">
+            <a:avLst/>
+          </a:prstGeom>
+          <a:solidFill>
+            <a:srgbClr val="359327"/>
+          </a:solidFill>
+          <a:ln>
+            <a:noFill/>
+          </a:ln>
+        </p:spPr>
+        <p:style>
+          <a:lnRef idx="2">
+            <a:schemeClr val="accent1">
+              <a:shade val="50000"/>
+            </a:schemeClr>
+          </a:lnRef>
+          <a:fillRef idx="1">
+            <a:schemeClr val="accent1"/>
+          </a:fillRef>
+          <a:effectRef idx="0">
+            <a:schemeClr val="accent1"/>
+          </a:effectRef>
+          <a:fontRef idx="minor">
+            <a:schemeClr val="lt1"/>
+          </a:fontRef>
+        </p:style>
+        <p:txBody>
+          <a:bodyPr rtlCol="0" anchor="ctr"/>
+          <a:lstStyle/>
+          <a:p>
+            <a:pPr algn="ctr"/>
+            <a:endParaRPr lang="en-US"/>
+          </a:p>
+        </p:txBody>
+      </p:sp>
+      <p:sp>
+        <p:nvSpPr>
           <p:cNvPr id="2" name="Title 1">
             <a:extLst>
               <a:ext uri="{FF2B5EF4-FFF2-40B4-BE49-F238E27FC236}">
@@ -4362,40 +4496,76 @@
             <p:ph type="title"/>
           </p:nvPr>
         </p:nvSpPr>
-        <p:spPr/>
-        <p:txBody>
-          <a:bodyPr/>
-          <a:lstStyle/>
-          <a:p>
-            <a:endParaRPr lang="en-US"/>
-          </a:p>
-        </p:txBody>
-      </p:sp>
-      <p:sp>
-        <p:nvSpPr>
-          <p:cNvPr id="3" name="Content Placeholder 2">
-            <a:extLst>
-              <a:ext uri="{FF2B5EF4-FFF2-40B4-BE49-F238E27FC236}">
-                <a16:creationId xmlns:a16="http://schemas.microsoft.com/office/drawing/2014/main" id="{C88EAC22-FC4E-9E21-A131-9F75E696E9BE}"/>
-              </a:ext>
-            </a:extLst>
-          </p:cNvPr>
-          <p:cNvSpPr>
-            <a:spLocks noGrp="1"/>
-          </p:cNvSpPr>
+        <p:spPr>
+          <a:xfrm>
+            <a:off x="640080" y="2074363"/>
+            <a:ext cx="2752354" cy="2709275"/>
+          </a:xfrm>
+          <a:prstGeom prst="ellipse">
+            <a:avLst/>
+          </a:prstGeom>
+          <a:solidFill>
+            <a:srgbClr val="262626"/>
+          </a:solidFill>
+          <a:ln w="174625" cmpd="thinThick">
+            <a:solidFill>
+              <a:srgbClr val="262626"/>
+            </a:solidFill>
+          </a:ln>
+        </p:spPr>
+        <p:txBody>
+          <a:bodyPr vert="horz" lIns="91440" tIns="45720" rIns="91440" bIns="45720" rtlCol="0" anchor="ctr">
+            <a:normAutofit/>
+          </a:bodyPr>
+          <a:lstStyle/>
+          <a:p>
+            <a:pPr algn="ctr"/>
+            <a:r>
+              <a:rPr lang="en-US" sz="2600" kern="1200">
+                <a:solidFill>
+                  <a:srgbClr val="FFFFFF"/>
+                </a:solidFill>
+                <a:latin typeface="+mj-lt"/>
+                <a:ea typeface="+mj-ea"/>
+                <a:cs typeface="+mj-cs"/>
+              </a:rPr>
+              <a:t>Liquor Sales By City</a:t>
+            </a:r>
+          </a:p>
+        </p:txBody>
+      </p:sp>
+      <p:pic>
+        <p:nvPicPr>
+          <p:cNvPr id="5" name="Content Placeholder 4" descr="Chart, pie chart&#10;&#10;Description automatically generated">
+            <a:extLst>
+              <a:ext uri="{FF2B5EF4-FFF2-40B4-BE49-F238E27FC236}">
+                <a16:creationId xmlns:a16="http://schemas.microsoft.com/office/drawing/2014/main" id="{7FE7F5A0-4E19-9DC9-2484-C5DC735FF8D5}"/>
+              </a:ext>
+            </a:extLst>
+          </p:cNvPr>
+          <p:cNvPicPr>
+            <a:picLocks noGrp="1" noChangeAspect="1"/>
+          </p:cNvPicPr>
           <p:nvPr>
             <p:ph idx="1"/>
           </p:nvPr>
-        </p:nvSpPr>
-        <p:spPr/>
-        <p:txBody>
-          <a:bodyPr/>
-          <a:lstStyle/>
-          <a:p>
-            <a:endParaRPr lang="en-US"/>
-          </a:p>
-        </p:txBody>
-      </p:sp>
+        </p:nvPicPr>
+        <p:blipFill>
+          <a:blip r:embed="rId2"/>
+          <a:stretch>
+            <a:fillRect/>
+          </a:stretch>
+        </p:blipFill>
+        <p:spPr>
+          <a:xfrm>
+            <a:off x="4202006" y="242888"/>
+            <a:ext cx="6615112" cy="6615112"/>
+          </a:xfrm>
+          <a:prstGeom prst="rect">
+            <a:avLst/>
+          </a:prstGeom>
+        </p:spPr>
+      </p:pic>
     </p:spTree>
     <p:extLst>
       <p:ext uri="{BB962C8B-B14F-4D97-AF65-F5344CB8AC3E}">
@@ -4412,6 +4582,14 @@
 <file path=ppt/slides/slide14.xml><?xml version="1.0" encoding="utf-8"?>
 <p:sld xmlns:a="http://schemas.openxmlformats.org/drawingml/2006/main" xmlns:r="http://schemas.openxmlformats.org/officeDocument/2006/relationships" xmlns:p="http://schemas.openxmlformats.org/presentationml/2006/main">
   <p:cSld>
+    <p:bg>
+      <p:bgPr>
+        <a:solidFill>
+          <a:schemeClr val="bg1"/>
+        </a:solidFill>
+        <a:effectLst/>
+      </p:bgPr>
+    </p:bg>
     <p:spTree>
       <p:nvGrpSpPr>
         <p:cNvPr id="1" name=""/>
@@ -4428,6 +4606,132 @@
       </p:grpSpPr>
       <p:sp>
         <p:nvSpPr>
+          <p:cNvPr id="10" name="Rectangle 9">
+            <a:extLst>
+              <a:ext uri="{FF2B5EF4-FFF2-40B4-BE49-F238E27FC236}">
+                <a16:creationId xmlns:a16="http://schemas.microsoft.com/office/drawing/2014/main" id="{6753252F-4873-4F63-801D-CC719279A7D5}"/>
+              </a:ext>
+              <a:ext uri="{C183D7F6-B498-43B3-948B-1728B52AA6E4}">
+                <adec:decorative xmlns:adec="http://schemas.microsoft.com/office/drawing/2017/decorative" val="1"/>
+              </a:ext>
+            </a:extLst>
+          </p:cNvPr>
+          <p:cNvSpPr>
+            <a:spLocks noGrp="1" noRot="1" noChangeAspect="1" noMove="1" noResize="1" noEditPoints="1" noAdjustHandles="1" noChangeArrowheads="1" noChangeShapeType="1" noTextEdit="1"/>
+          </p:cNvSpPr>
+          <p:nvPr>
+            <p:extLst>
+              <p:ext uri="{386F3935-93C4-4BCD-93E2-E3B085C9AB24}">
+                <p16:designElem xmlns:p16="http://schemas.microsoft.com/office/powerpoint/2015/main" val="1"/>
+              </p:ext>
+            </p:extLst>
+          </p:nvPr>
+        </p:nvSpPr>
+        <p:spPr>
+          <a:xfrm>
+            <a:off x="0" y="0"/>
+            <a:ext cx="12192000" cy="6858000"/>
+          </a:xfrm>
+          <a:prstGeom prst="rect">
+            <a:avLst/>
+          </a:prstGeom>
+          <a:solidFill>
+            <a:srgbClr val="FFFFFF"/>
+          </a:solidFill>
+          <a:ln>
+            <a:noFill/>
+          </a:ln>
+        </p:spPr>
+        <p:style>
+          <a:lnRef idx="2">
+            <a:schemeClr val="accent1">
+              <a:shade val="50000"/>
+            </a:schemeClr>
+          </a:lnRef>
+          <a:fillRef idx="1">
+            <a:schemeClr val="accent1"/>
+          </a:fillRef>
+          <a:effectRef idx="0">
+            <a:schemeClr val="accent1"/>
+          </a:effectRef>
+          <a:fontRef idx="minor">
+            <a:schemeClr val="lt1"/>
+          </a:fontRef>
+        </p:style>
+        <p:txBody>
+          <a:bodyPr rtlCol="0" anchor="ctr"/>
+          <a:lstStyle/>
+          <a:p>
+            <a:pPr algn="ctr"/>
+            <a:endParaRPr lang="en-US"/>
+          </a:p>
+        </p:txBody>
+      </p:sp>
+      <p:sp>
+        <p:nvSpPr>
+          <p:cNvPr id="12" name="Rectangle 11">
+            <a:extLst>
+              <a:ext uri="{FF2B5EF4-FFF2-40B4-BE49-F238E27FC236}">
+                <a16:creationId xmlns:a16="http://schemas.microsoft.com/office/drawing/2014/main" id="{047C8CCB-F95D-4249-92DD-651249D3535A}"/>
+              </a:ext>
+              <a:ext uri="{C183D7F6-B498-43B3-948B-1728B52AA6E4}">
+                <adec:decorative xmlns:adec="http://schemas.microsoft.com/office/drawing/2017/decorative" val="1"/>
+              </a:ext>
+            </a:extLst>
+          </p:cNvPr>
+          <p:cNvSpPr>
+            <a:spLocks noGrp="1" noRot="1" noChangeAspect="1" noMove="1" noResize="1" noEditPoints="1" noAdjustHandles="1" noChangeArrowheads="1" noChangeShapeType="1" noTextEdit="1"/>
+          </p:cNvSpPr>
+          <p:nvPr>
+            <p:extLst>
+              <p:ext uri="{386F3935-93C4-4BCD-93E2-E3B085C9AB24}">
+                <p16:designElem xmlns:p16="http://schemas.microsoft.com/office/powerpoint/2015/main" val="1"/>
+              </p:ext>
+            </p:extLst>
+          </p:nvPr>
+        </p:nvSpPr>
+        <p:spPr>
+          <a:xfrm>
+            <a:off x="0" y="0"/>
+            <a:ext cx="2013557" cy="6858000"/>
+          </a:xfrm>
+          <a:prstGeom prst="rect">
+            <a:avLst/>
+          </a:prstGeom>
+          <a:solidFill>
+            <a:srgbClr val="359327"/>
+          </a:solidFill>
+          <a:ln>
+            <a:noFill/>
+          </a:ln>
+        </p:spPr>
+        <p:style>
+          <a:lnRef idx="2">
+            <a:schemeClr val="accent1">
+              <a:shade val="50000"/>
+            </a:schemeClr>
+          </a:lnRef>
+          <a:fillRef idx="1">
+            <a:schemeClr val="accent1"/>
+          </a:fillRef>
+          <a:effectRef idx="0">
+            <a:schemeClr val="accent1"/>
+          </a:effectRef>
+          <a:fontRef idx="minor">
+            <a:schemeClr val="lt1"/>
+          </a:fontRef>
+        </p:style>
+        <p:txBody>
+          <a:bodyPr rtlCol="0" anchor="ctr"/>
+          <a:lstStyle/>
+          <a:p>
+            <a:pPr algn="ctr"/>
+            <a:endParaRPr lang="en-US"/>
+          </a:p>
+        </p:txBody>
+      </p:sp>
+      <p:sp>
+        <p:nvSpPr>
           <p:cNvPr id="2" name="Title 1">
             <a:extLst>
               <a:ext uri="{FF2B5EF4-FFF2-40B4-BE49-F238E27FC236}">
@@ -4442,40 +4746,73 @@
             <p:ph type="title"/>
           </p:nvPr>
         </p:nvSpPr>
-        <p:spPr/>
-        <p:txBody>
-          <a:bodyPr/>
-          <a:lstStyle/>
-          <a:p>
-            <a:endParaRPr lang="en-US"/>
-          </a:p>
-        </p:txBody>
-      </p:sp>
-      <p:sp>
-        <p:nvSpPr>
-          <p:cNvPr id="3" name="Content Placeholder 2">
-            <a:extLst>
-              <a:ext uri="{FF2B5EF4-FFF2-40B4-BE49-F238E27FC236}">
-                <a16:creationId xmlns:a16="http://schemas.microsoft.com/office/drawing/2014/main" id="{85001F2E-506A-F708-F140-BD10957C91C4}"/>
-              </a:ext>
-            </a:extLst>
-          </p:cNvPr>
-          <p:cNvSpPr>
-            <a:spLocks noGrp="1"/>
-          </p:cNvSpPr>
+        <p:spPr>
+          <a:xfrm>
+            <a:off x="640080" y="2074363"/>
+            <a:ext cx="2752354" cy="2709275"/>
+          </a:xfrm>
+          <a:prstGeom prst="ellipse">
+            <a:avLst/>
+          </a:prstGeom>
+          <a:solidFill>
+            <a:srgbClr val="262626"/>
+          </a:solidFill>
+          <a:ln w="174625" cmpd="thinThick">
+            <a:solidFill>
+              <a:srgbClr val="262626"/>
+            </a:solidFill>
+          </a:ln>
+        </p:spPr>
+        <p:txBody>
+          <a:bodyPr vert="horz" lIns="91440" tIns="45720" rIns="91440" bIns="45720" rtlCol="0" anchor="ctr">
+            <a:normAutofit/>
+          </a:bodyPr>
+          <a:lstStyle/>
+          <a:p>
+            <a:pPr algn="ctr"/>
+            <a:r>
+              <a:rPr lang="en-US" sz="2600" kern="1200" dirty="0">
+                <a:solidFill>
+                  <a:srgbClr val="FFFFFF"/>
+                </a:solidFill>
+                <a:latin typeface="+mj-lt"/>
+                <a:ea typeface="+mj-ea"/>
+                <a:cs typeface="+mj-cs"/>
+              </a:rPr>
+              <a:t>Liquor Sales By Business</a:t>
+            </a:r>
+          </a:p>
+        </p:txBody>
+      </p:sp>
+      <p:pic>
+        <p:nvPicPr>
+          <p:cNvPr id="9" name="Content Placeholder 8" descr="Chart&#10;&#10;Description automatically generated">
+            <a:extLst>
+              <a:ext uri="{FF2B5EF4-FFF2-40B4-BE49-F238E27FC236}">
+                <a16:creationId xmlns:a16="http://schemas.microsoft.com/office/drawing/2014/main" id="{42172A08-1579-AAB2-BCAA-F25EFB213955}"/>
+              </a:ext>
+            </a:extLst>
+          </p:cNvPr>
+          <p:cNvPicPr>
+            <a:picLocks noGrp="1" noChangeAspect="1"/>
+          </p:cNvPicPr>
           <p:nvPr>
             <p:ph idx="1"/>
           </p:nvPr>
-        </p:nvSpPr>
-        <p:spPr/>
-        <p:txBody>
-          <a:bodyPr/>
-          <a:lstStyle/>
-          <a:p>
-            <a:endParaRPr lang="en-US"/>
-          </a:p>
-        </p:txBody>
-      </p:sp>
+        </p:nvPicPr>
+        <p:blipFill>
+          <a:blip r:embed="rId2"/>
+          <a:stretch>
+            <a:fillRect/>
+          </a:stretch>
+        </p:blipFill>
+        <p:spPr>
+          <a:xfrm>
+            <a:off x="3608976" y="1185863"/>
+            <a:ext cx="9114830" cy="4705350"/>
+          </a:xfrm>
+        </p:spPr>
+      </p:pic>
     </p:spTree>
     <p:extLst>
       <p:ext uri="{BB962C8B-B14F-4D97-AF65-F5344CB8AC3E}">

--- a/Alcohol Sales in Texas.pptx
+++ b/Alcohol Sales in Texas.pptx
@@ -7,18 +7,20 @@
   <p:sldIdLst>
     <p:sldId id="256" r:id="rId2"/>
     <p:sldId id="271" r:id="rId3"/>
-    <p:sldId id="257" r:id="rId4"/>
-    <p:sldId id="259" r:id="rId5"/>
+    <p:sldId id="259" r:id="rId4"/>
+    <p:sldId id="257" r:id="rId5"/>
     <p:sldId id="267" r:id="rId6"/>
-    <p:sldId id="262" r:id="rId7"/>
-    <p:sldId id="260" r:id="rId8"/>
-    <p:sldId id="263" r:id="rId9"/>
-    <p:sldId id="261" r:id="rId10"/>
-    <p:sldId id="266" r:id="rId11"/>
-    <p:sldId id="265" r:id="rId12"/>
-    <p:sldId id="268" r:id="rId13"/>
-    <p:sldId id="269" r:id="rId14"/>
-    <p:sldId id="270" r:id="rId15"/>
+    <p:sldId id="273" r:id="rId7"/>
+    <p:sldId id="262" r:id="rId8"/>
+    <p:sldId id="260" r:id="rId9"/>
+    <p:sldId id="263" r:id="rId10"/>
+    <p:sldId id="261" r:id="rId11"/>
+    <p:sldId id="266" r:id="rId12"/>
+    <p:sldId id="265" r:id="rId13"/>
+    <p:sldId id="268" r:id="rId14"/>
+    <p:sldId id="269" r:id="rId15"/>
+    <p:sldId id="270" r:id="rId16"/>
+    <p:sldId id="272" r:id="rId17"/>
   </p:sldIdLst>
   <p:sldSz cx="12192000" cy="6858000"/>
   <p:notesSz cx="6858000" cy="9144000"/>
@@ -117,6 +119,11 @@
       </a:defRPr>
     </a:lvl9pPr>
   </p:defaultTextStyle>
+  <p:extLst>
+    <p:ext uri="{EFAFB233-063F-42B5-8137-9DF3F51BA10A}">
+      <p15:sldGuideLst xmlns:p15="http://schemas.microsoft.com/office/powerpoint/2012/main"/>
+    </p:ext>
+  </p:extLst>
 </p:presentation>
 </file>
 
@@ -267,7 +274,7 @@
           <a:p>
             <a:fld id="{D1220EE7-A974-8D41-B91F-06E20C62296A}" type="datetimeFigureOut">
               <a:rPr lang="en-US" smtClean="0"/>
-              <a:t>5/12/22</a:t>
+              <a:t>5/14/2022</a:t>
             </a:fld>
             <a:endParaRPr lang="en-US"/>
           </a:p>
@@ -465,7 +472,7 @@
           <a:p>
             <a:fld id="{D1220EE7-A974-8D41-B91F-06E20C62296A}" type="datetimeFigureOut">
               <a:rPr lang="en-US" smtClean="0"/>
-              <a:t>5/12/22</a:t>
+              <a:t>5/14/2022</a:t>
             </a:fld>
             <a:endParaRPr lang="en-US"/>
           </a:p>
@@ -673,7 +680,7 @@
           <a:p>
             <a:fld id="{D1220EE7-A974-8D41-B91F-06E20C62296A}" type="datetimeFigureOut">
               <a:rPr lang="en-US" smtClean="0"/>
-              <a:t>5/12/22</a:t>
+              <a:t>5/14/2022</a:t>
             </a:fld>
             <a:endParaRPr lang="en-US"/>
           </a:p>
@@ -871,7 +878,7 @@
           <a:p>
             <a:fld id="{D1220EE7-A974-8D41-B91F-06E20C62296A}" type="datetimeFigureOut">
               <a:rPr lang="en-US" smtClean="0"/>
-              <a:t>5/12/22</a:t>
+              <a:t>5/14/2022</a:t>
             </a:fld>
             <a:endParaRPr lang="en-US"/>
           </a:p>
@@ -1146,7 +1153,7 @@
           <a:p>
             <a:fld id="{D1220EE7-A974-8D41-B91F-06E20C62296A}" type="datetimeFigureOut">
               <a:rPr lang="en-US" smtClean="0"/>
-              <a:t>5/12/22</a:t>
+              <a:t>5/14/2022</a:t>
             </a:fld>
             <a:endParaRPr lang="en-US"/>
           </a:p>
@@ -1411,7 +1418,7 @@
           <a:p>
             <a:fld id="{D1220EE7-A974-8D41-B91F-06E20C62296A}" type="datetimeFigureOut">
               <a:rPr lang="en-US" smtClean="0"/>
-              <a:t>5/12/22</a:t>
+              <a:t>5/14/2022</a:t>
             </a:fld>
             <a:endParaRPr lang="en-US"/>
           </a:p>
@@ -1823,7 +1830,7 @@
           <a:p>
             <a:fld id="{D1220EE7-A974-8D41-B91F-06E20C62296A}" type="datetimeFigureOut">
               <a:rPr lang="en-US" smtClean="0"/>
-              <a:t>5/12/22</a:t>
+              <a:t>5/14/2022</a:t>
             </a:fld>
             <a:endParaRPr lang="en-US"/>
           </a:p>
@@ -1964,7 +1971,7 @@
           <a:p>
             <a:fld id="{D1220EE7-A974-8D41-B91F-06E20C62296A}" type="datetimeFigureOut">
               <a:rPr lang="en-US" smtClean="0"/>
-              <a:t>5/12/22</a:t>
+              <a:t>5/14/2022</a:t>
             </a:fld>
             <a:endParaRPr lang="en-US"/>
           </a:p>
@@ -2077,7 +2084,7 @@
           <a:p>
             <a:fld id="{D1220EE7-A974-8D41-B91F-06E20C62296A}" type="datetimeFigureOut">
               <a:rPr lang="en-US" smtClean="0"/>
-              <a:t>5/12/22</a:t>
+              <a:t>5/14/2022</a:t>
             </a:fld>
             <a:endParaRPr lang="en-US"/>
           </a:p>
@@ -2388,7 +2395,7 @@
           <a:p>
             <a:fld id="{D1220EE7-A974-8D41-B91F-06E20C62296A}" type="datetimeFigureOut">
               <a:rPr lang="en-US" smtClean="0"/>
-              <a:t>5/12/22</a:t>
+              <a:t>5/14/2022</a:t>
             </a:fld>
             <a:endParaRPr lang="en-US"/>
           </a:p>
@@ -2676,7 +2683,7 @@
           <a:p>
             <a:fld id="{D1220EE7-A974-8D41-B91F-06E20C62296A}" type="datetimeFigureOut">
               <a:rPr lang="en-US" smtClean="0"/>
-              <a:t>5/12/22</a:t>
+              <a:t>5/14/2022</a:t>
             </a:fld>
             <a:endParaRPr lang="en-US"/>
           </a:p>
@@ -2917,7 +2924,7 @@
           <a:p>
             <a:fld id="{D1220EE7-A974-8D41-B91F-06E20C62296A}" type="datetimeFigureOut">
               <a:rPr lang="en-US" smtClean="0"/>
-              <a:t>5/12/22</a:t>
+              <a:t>5/14/2022</a:t>
             </a:fld>
             <a:endParaRPr lang="en-US"/>
           </a:p>
@@ -3561,12 +3568,41 @@
           <a:chExt cx="0" cy="0"/>
         </a:xfrm>
       </p:grpSpPr>
-      <p:sp>
-        <p:nvSpPr>
-          <p:cNvPr id="10" name="Rectangle 9">
-            <a:extLst>
-              <a:ext uri="{FF2B5EF4-FFF2-40B4-BE49-F238E27FC236}">
-                <a16:creationId xmlns:a16="http://schemas.microsoft.com/office/drawing/2014/main" id="{6753252F-4873-4F63-801D-CC719279A7D5}"/>
+      <p:pic>
+        <p:nvPicPr>
+          <p:cNvPr id="5" name="Picture 4" descr="Bottles in a production line">
+            <a:extLst>
+              <a:ext uri="{FF2B5EF4-FFF2-40B4-BE49-F238E27FC236}">
+                <a16:creationId xmlns:a16="http://schemas.microsoft.com/office/drawing/2014/main" id="{FE5D3CC6-656C-7C21-336E-30FC44811159}"/>
+              </a:ext>
+            </a:extLst>
+          </p:cNvPr>
+          <p:cNvPicPr>
+            <a:picLocks noChangeAspect="1"/>
+          </p:cNvPicPr>
+          <p:nvPr/>
+        </p:nvPicPr>
+        <p:blipFill rotWithShape="1">
+          <a:blip r:embed="rId2"/>
+          <a:srcRect t="15730"/>
+          <a:stretch/>
+        </p:blipFill>
+        <p:spPr>
+          <a:xfrm>
+            <a:off x="20" y="10"/>
+            <a:ext cx="12191980" cy="6857990"/>
+          </a:xfrm>
+          <a:prstGeom prst="rect">
+            <a:avLst/>
+          </a:prstGeom>
+        </p:spPr>
+      </p:pic>
+      <p:sp>
+        <p:nvSpPr>
+          <p:cNvPr id="9" name="Rectangle 8">
+            <a:extLst>
+              <a:ext uri="{FF2B5EF4-FFF2-40B4-BE49-F238E27FC236}">
+                <a16:creationId xmlns:a16="http://schemas.microsoft.com/office/drawing/2014/main" id="{37C89E4B-3C9F-44B9-8B86-D9E3D112D8EC}"/>
               </a:ext>
               <a:ext uri="{C183D7F6-B498-43B3-948B-1728B52AA6E4}">
                 <adec:decorative xmlns:adec="http://schemas.microsoft.com/office/drawing/2017/decorative" val="1"/>
@@ -3586,14 +3622,16 @@
         </p:nvSpPr>
         <p:spPr>
           <a:xfrm>
-            <a:off x="0" y="0"/>
-            <a:ext cx="12192000" cy="6858000"/>
+            <a:off x="0" y="5320142"/>
+            <a:ext cx="12192000" cy="736551"/>
           </a:xfrm>
           <a:prstGeom prst="rect">
             <a:avLst/>
           </a:prstGeom>
           <a:solidFill>
-            <a:srgbClr val="FFFFFF"/>
+            <a:schemeClr val="bg1">
+              <a:alpha val="93000"/>
+            </a:schemeClr>
           </a:solidFill>
           <a:ln>
             <a:noFill/>
@@ -3626,19 +3664,62 @@
       </p:sp>
       <p:sp>
         <p:nvSpPr>
-          <p:cNvPr id="12" name="Rectangle 11">
-            <a:extLst>
-              <a:ext uri="{FF2B5EF4-FFF2-40B4-BE49-F238E27FC236}">
-                <a16:creationId xmlns:a16="http://schemas.microsoft.com/office/drawing/2014/main" id="{047C8CCB-F95D-4249-92DD-651249D3535A}"/>
+          <p:cNvPr id="2" name="Title 1">
+            <a:extLst>
+              <a:ext uri="{FF2B5EF4-FFF2-40B4-BE49-F238E27FC236}">
+                <a16:creationId xmlns:a16="http://schemas.microsoft.com/office/drawing/2014/main" id="{A3FBC2AB-3D85-0096-7016-1AFA951B434D}"/>
+              </a:ext>
+            </a:extLst>
+          </p:cNvPr>
+          <p:cNvSpPr>
+            <a:spLocks noGrp="1"/>
+          </p:cNvSpPr>
+          <p:nvPr>
+            <p:ph type="title"/>
+          </p:nvPr>
+        </p:nvSpPr>
+        <p:spPr>
+          <a:xfrm>
+            <a:off x="523875" y="5317240"/>
+            <a:ext cx="11210925" cy="744836"/>
+          </a:xfrm>
+        </p:spPr>
+        <p:txBody>
+          <a:bodyPr vert="horz" lIns="91440" tIns="45720" rIns="91440" bIns="45720" rtlCol="0" anchor="ctr">
+            <a:normAutofit/>
+          </a:bodyPr>
+          <a:lstStyle/>
+          <a:p>
+            <a:pPr algn="ctr"/>
+            <a:r>
+              <a:rPr lang="en-US" sz="3600" dirty="0">
+                <a:solidFill>
+                  <a:schemeClr val="tx1">
+                    <a:lumMod val="85000"/>
+                    <a:lumOff val="15000"/>
+                  </a:schemeClr>
+                </a:solidFill>
+              </a:rPr>
+              <a:t>Beer Sales </a:t>
+            </a:r>
+          </a:p>
+        </p:txBody>
+      </p:sp>
+      <p:cxnSp>
+        <p:nvCxnSpPr>
+          <p:cNvPr id="11" name="Straight Connector 10">
+            <a:extLst>
+              <a:ext uri="{FF2B5EF4-FFF2-40B4-BE49-F238E27FC236}">
+                <a16:creationId xmlns:a16="http://schemas.microsoft.com/office/drawing/2014/main" id="{AA2EAA10-076F-46BD-8F0F-B9A2FB77A85C}"/>
               </a:ext>
               <a:ext uri="{C183D7F6-B498-43B3-948B-1728B52AA6E4}">
                 <adec:decorative xmlns:adec="http://schemas.microsoft.com/office/drawing/2017/decorative" val="1"/>
               </a:ext>
             </a:extLst>
           </p:cNvPr>
-          <p:cNvSpPr>
-            <a:spLocks noGrp="1" noRot="1" noChangeAspect="1" noMove="1" noResize="1" noEditPoints="1" noAdjustHandles="1" noChangeArrowheads="1" noChangeShapeType="1" noTextEdit="1"/>
-          </p:cNvSpPr>
+          <p:cNvCxnSpPr>
+            <a:cxnSpLocks noGrp="1" noRot="1" noChangeAspect="1" noMove="1" noResize="1" noEditPoints="1" noAdjustHandles="1" noChangeArrowheads="1" noChangeShapeType="1"/>
+          </p:cNvCxnSpPr>
           <p:nvPr>
             <p:extLst>
               <p:ext uri="{386F3935-93C4-4BCD-93E2-E3B085C9AB24}">
@@ -3646,137 +3727,96 @@
               </p:ext>
             </p:extLst>
           </p:nvPr>
-        </p:nvSpPr>
-        <p:spPr>
-          <a:xfrm>
-            <a:off x="0" y="0"/>
-            <a:ext cx="2013557" cy="6858000"/>
-          </a:xfrm>
-          <a:prstGeom prst="rect">
+        </p:nvCxnSpPr>
+        <p:spPr>
+          <a:xfrm>
+            <a:off x="0" y="5241983"/>
+            <a:ext cx="12192000" cy="0"/>
+          </a:xfrm>
+          <a:prstGeom prst="line">
             <a:avLst/>
           </a:prstGeom>
-          <a:solidFill>
-            <a:srgbClr val="398D2C"/>
-          </a:solidFill>
-          <a:ln>
-            <a:noFill/>
+          <a:ln w="41275">
+            <a:solidFill>
+              <a:schemeClr val="bg1">
+                <a:alpha val="90000"/>
+              </a:schemeClr>
+            </a:solidFill>
           </a:ln>
         </p:spPr>
         <p:style>
-          <a:lnRef idx="2">
-            <a:schemeClr val="accent1">
-              <a:shade val="50000"/>
-            </a:schemeClr>
+          <a:lnRef idx="1">
+            <a:schemeClr val="accent1"/>
           </a:lnRef>
-          <a:fillRef idx="1">
+          <a:fillRef idx="0">
             <a:schemeClr val="accent1"/>
           </a:fillRef>
           <a:effectRef idx="0">
             <a:schemeClr val="accent1"/>
           </a:effectRef>
           <a:fontRef idx="minor">
-            <a:schemeClr val="lt1"/>
+            <a:schemeClr val="tx1"/>
           </a:fontRef>
         </p:style>
-        <p:txBody>
-          <a:bodyPr rtlCol="0" anchor="ctr"/>
-          <a:lstStyle/>
-          <a:p>
-            <a:pPr algn="ctr"/>
-            <a:endParaRPr lang="en-US"/>
-          </a:p>
-        </p:txBody>
-      </p:sp>
-      <p:sp>
-        <p:nvSpPr>
-          <p:cNvPr id="2" name="Title 1">
-            <a:extLst>
-              <a:ext uri="{FF2B5EF4-FFF2-40B4-BE49-F238E27FC236}">
-                <a16:creationId xmlns:a16="http://schemas.microsoft.com/office/drawing/2014/main" id="{2E5CB9A7-540F-0D37-A1A2-322245398F1C}"/>
-              </a:ext>
-            </a:extLst>
-          </p:cNvPr>
-          <p:cNvSpPr>
-            <a:spLocks noGrp="1"/>
-          </p:cNvSpPr>
-          <p:nvPr>
-            <p:ph type="title"/>
-          </p:nvPr>
-        </p:nvSpPr>
-        <p:spPr>
-          <a:xfrm>
-            <a:off x="640080" y="2074363"/>
-            <a:ext cx="2752354" cy="2709275"/>
-          </a:xfrm>
-          <a:prstGeom prst="ellipse">
+      </p:cxnSp>
+      <p:cxnSp>
+        <p:nvCxnSpPr>
+          <p:cNvPr id="13" name="Straight Connector 12">
+            <a:extLst>
+              <a:ext uri="{FF2B5EF4-FFF2-40B4-BE49-F238E27FC236}">
+                <a16:creationId xmlns:a16="http://schemas.microsoft.com/office/drawing/2014/main" id="{D891E407-403B-4764-86C9-33A56D3BCAA3}"/>
+              </a:ext>
+              <a:ext uri="{C183D7F6-B498-43B3-948B-1728B52AA6E4}">
+                <adec:decorative xmlns:adec="http://schemas.microsoft.com/office/drawing/2017/decorative" val="1"/>
+              </a:ext>
+            </a:extLst>
+          </p:cNvPr>
+          <p:cNvCxnSpPr>
+            <a:cxnSpLocks noGrp="1" noRot="1" noChangeAspect="1" noMove="1" noResize="1" noEditPoints="1" noAdjustHandles="1" noChangeArrowheads="1" noChangeShapeType="1"/>
+          </p:cNvCxnSpPr>
+          <p:nvPr>
+            <p:extLst>
+              <p:ext uri="{386F3935-93C4-4BCD-93E2-E3B085C9AB24}">
+                <p16:designElem xmlns:p16="http://schemas.microsoft.com/office/powerpoint/2015/main" val="1"/>
+              </p:ext>
+            </p:extLst>
+          </p:nvPr>
+        </p:nvCxnSpPr>
+        <p:spPr>
+          <a:xfrm>
+            <a:off x="0" y="6134852"/>
+            <a:ext cx="12192000" cy="0"/>
+          </a:xfrm>
+          <a:prstGeom prst="line">
             <a:avLst/>
           </a:prstGeom>
-          <a:solidFill>
-            <a:srgbClr val="262626"/>
-          </a:solidFill>
-          <a:ln w="174625" cmpd="thinThick">
+          <a:ln w="41275">
             <a:solidFill>
-              <a:srgbClr val="262626"/>
+              <a:schemeClr val="bg1">
+                <a:alpha val="90000"/>
+              </a:schemeClr>
             </a:solidFill>
           </a:ln>
         </p:spPr>
-        <p:txBody>
-          <a:bodyPr vert="horz" lIns="91440" tIns="45720" rIns="91440" bIns="45720" rtlCol="0" anchor="ctr">
-            <a:normAutofit/>
-          </a:bodyPr>
-          <a:lstStyle/>
-          <a:p>
-            <a:pPr algn="ctr"/>
-            <a:r>
-              <a:rPr lang="en-US" sz="2600" kern="1200" dirty="0">
-                <a:solidFill>
-                  <a:srgbClr val="FFFFFF"/>
-                </a:solidFill>
-                <a:latin typeface="+mj-lt"/>
-                <a:ea typeface="+mj-ea"/>
-                <a:cs typeface="+mj-cs"/>
-              </a:rPr>
-              <a:t>Beer Sales By City</a:t>
-            </a:r>
-          </a:p>
-        </p:txBody>
-      </p:sp>
-      <p:pic>
-        <p:nvPicPr>
-          <p:cNvPr id="5" name="Content Placeholder 4" descr="Chart, pie chart&#10;&#10;Description automatically generated">
-            <a:extLst>
-              <a:ext uri="{FF2B5EF4-FFF2-40B4-BE49-F238E27FC236}">
-                <a16:creationId xmlns:a16="http://schemas.microsoft.com/office/drawing/2014/main" id="{CE30EBD9-5A0D-34D7-90C4-57725F5D8552}"/>
-              </a:ext>
-            </a:extLst>
-          </p:cNvPr>
-          <p:cNvPicPr>
-            <a:picLocks noGrp="1" noChangeAspect="1"/>
-          </p:cNvPicPr>
-          <p:nvPr>
-            <p:ph idx="1"/>
-          </p:nvPr>
-        </p:nvPicPr>
-        <p:blipFill>
-          <a:blip r:embed="rId2"/>
-          <a:stretch>
-            <a:fillRect/>
-          </a:stretch>
-        </p:blipFill>
-        <p:spPr>
-          <a:xfrm>
-            <a:off x="4452831" y="418306"/>
-            <a:ext cx="6021387" cy="6021387"/>
-          </a:xfrm>
-          <a:prstGeom prst="rect">
-            <a:avLst/>
-          </a:prstGeom>
-        </p:spPr>
-      </p:pic>
+        <p:style>
+          <a:lnRef idx="1">
+            <a:schemeClr val="accent1"/>
+          </a:lnRef>
+          <a:fillRef idx="0">
+            <a:schemeClr val="accent1"/>
+          </a:fillRef>
+          <a:effectRef idx="0">
+            <a:schemeClr val="accent1"/>
+          </a:effectRef>
+          <a:fontRef idx="minor">
+            <a:schemeClr val="tx1"/>
+          </a:fontRef>
+        </p:style>
+      </p:cxnSp>
     </p:spTree>
     <p:extLst>
       <p:ext uri="{BB962C8B-B14F-4D97-AF65-F5344CB8AC3E}">
-        <p14:creationId xmlns:p14="http://schemas.microsoft.com/office/powerpoint/2010/main" val="2460324961"/>
+        <p14:creationId xmlns:p14="http://schemas.microsoft.com/office/powerpoint/2010/main" val="2019411917"/>
       </p:ext>
     </p:extLst>
   </p:cSld>
@@ -3906,7 +3946,7 @@
             <a:avLst/>
           </a:prstGeom>
           <a:solidFill>
-            <a:srgbClr val="7F7F7F"/>
+            <a:srgbClr val="398D2C"/>
           </a:solidFill>
           <a:ln>
             <a:noFill/>
@@ -3942,7 +3982,7 @@
           <p:cNvPr id="2" name="Title 1">
             <a:extLst>
               <a:ext uri="{FF2B5EF4-FFF2-40B4-BE49-F238E27FC236}">
-                <a16:creationId xmlns:a16="http://schemas.microsoft.com/office/drawing/2014/main" id="{1130F59D-FC73-AAB4-CAEB-9D8D2B3BF7A2}"/>
+                <a16:creationId xmlns:a16="http://schemas.microsoft.com/office/drawing/2014/main" id="{2E5CB9A7-540F-0D37-A1A2-322245398F1C}"/>
               </a:ext>
             </a:extLst>
           </p:cNvPr>
@@ -3978,7 +4018,7 @@
           <a:p>
             <a:pPr algn="ctr"/>
             <a:r>
-              <a:rPr lang="en-US" sz="2600" kern="1200">
+              <a:rPr lang="en-US" sz="2600" kern="1200" dirty="0">
                 <a:solidFill>
                   <a:srgbClr val="FFFFFF"/>
                 </a:solidFill>
@@ -3986,17 +4026,17 @@
                 <a:ea typeface="+mj-ea"/>
                 <a:cs typeface="+mj-cs"/>
               </a:rPr>
-              <a:t>Beer Sales By Business</a:t>
+              <a:t>Beer Sales By City</a:t>
             </a:r>
           </a:p>
         </p:txBody>
       </p:sp>
       <p:pic>
         <p:nvPicPr>
-          <p:cNvPr id="18" name="Content Placeholder 17" descr="Chart&#10;&#10;Description automatically generated">
-            <a:extLst>
-              <a:ext uri="{FF2B5EF4-FFF2-40B4-BE49-F238E27FC236}">
-                <a16:creationId xmlns:a16="http://schemas.microsoft.com/office/drawing/2014/main" id="{6CEDEB6A-94F1-49A9-75D2-2F5DA46563B4}"/>
+          <p:cNvPr id="5" name="Content Placeholder 4" descr="Chart, pie chart&#10;&#10;Description automatically generated">
+            <a:extLst>
+              <a:ext uri="{FF2B5EF4-FFF2-40B4-BE49-F238E27FC236}">
+                <a16:creationId xmlns:a16="http://schemas.microsoft.com/office/drawing/2014/main" id="{CE30EBD9-5A0D-34D7-90C4-57725F5D8552}"/>
               </a:ext>
             </a:extLst>
           </p:cNvPr>
@@ -4013,30 +4053,20 @@
             <a:fillRect/>
           </a:stretch>
         </p:blipFill>
-        <p:spPr bwMode="auto">
-          <a:xfrm>
-            <a:off x="3600451" y="1071563"/>
-            <a:ext cx="9339606" cy="4557712"/>
+        <p:spPr>
+          <a:xfrm>
+            <a:off x="4452831" y="418306"/>
+            <a:ext cx="6021387" cy="6021387"/>
           </a:xfrm>
           <a:prstGeom prst="rect">
             <a:avLst/>
           </a:prstGeom>
-          <a:noFill/>
-          <a:extLst>
-            <a:ext uri="{909E8E84-426E-40DD-AFC4-6F175D3DCCD1}">
-              <a14:hiddenFill xmlns:a14="http://schemas.microsoft.com/office/drawing/2010/main">
-                <a:solidFill>
-                  <a:srgbClr val="FFFFFF"/>
-                </a:solidFill>
-              </a14:hiddenFill>
-            </a:ext>
-          </a:extLst>
         </p:spPr>
       </p:pic>
     </p:spTree>
     <p:extLst>
       <p:ext uri="{BB962C8B-B14F-4D97-AF65-F5344CB8AC3E}">
-        <p14:creationId xmlns:p14="http://schemas.microsoft.com/office/powerpoint/2010/main" val="4045045025"/>
+        <p14:creationId xmlns:p14="http://schemas.microsoft.com/office/powerpoint/2010/main" val="2460324961"/>
       </p:ext>
     </p:extLst>
   </p:cSld>
@@ -4071,41 +4101,12 @@
           <a:chExt cx="0" cy="0"/>
         </a:xfrm>
       </p:grpSpPr>
-      <p:pic>
-        <p:nvPicPr>
-          <p:cNvPr id="5" name="Picture 4" descr="Green glass bottles">
-            <a:extLst>
-              <a:ext uri="{FF2B5EF4-FFF2-40B4-BE49-F238E27FC236}">
-                <a16:creationId xmlns:a16="http://schemas.microsoft.com/office/drawing/2014/main" id="{D9E5842A-C02D-F27D-C416-432DCF8210CC}"/>
-              </a:ext>
-            </a:extLst>
-          </p:cNvPr>
-          <p:cNvPicPr>
-            <a:picLocks noChangeAspect="1"/>
-          </p:cNvPicPr>
-          <p:nvPr/>
-        </p:nvPicPr>
-        <p:blipFill rotWithShape="1">
-          <a:blip r:embed="rId2"/>
-          <a:srcRect t="2802" b="11647"/>
-          <a:stretch/>
-        </p:blipFill>
-        <p:spPr>
-          <a:xfrm>
-            <a:off x="20" y="10"/>
-            <a:ext cx="12191980" cy="6857990"/>
-          </a:xfrm>
-          <a:prstGeom prst="rect">
-            <a:avLst/>
-          </a:prstGeom>
-        </p:spPr>
-      </p:pic>
-      <p:sp>
-        <p:nvSpPr>
-          <p:cNvPr id="9" name="Rectangle 8">
-            <a:extLst>
-              <a:ext uri="{FF2B5EF4-FFF2-40B4-BE49-F238E27FC236}">
-                <a16:creationId xmlns:a16="http://schemas.microsoft.com/office/drawing/2014/main" id="{37C89E4B-3C9F-44B9-8B86-D9E3D112D8EC}"/>
+      <p:sp>
+        <p:nvSpPr>
+          <p:cNvPr id="10" name="Rectangle 9">
+            <a:extLst>
+              <a:ext uri="{FF2B5EF4-FFF2-40B4-BE49-F238E27FC236}">
+                <a16:creationId xmlns:a16="http://schemas.microsoft.com/office/drawing/2014/main" id="{6753252F-4873-4F63-801D-CC719279A7D5}"/>
               </a:ext>
               <a:ext uri="{C183D7F6-B498-43B3-948B-1728B52AA6E4}">
                 <adec:decorative xmlns:adec="http://schemas.microsoft.com/office/drawing/2017/decorative" val="1"/>
@@ -4125,16 +4126,14 @@
         </p:nvSpPr>
         <p:spPr>
           <a:xfrm>
-            <a:off x="0" y="5320142"/>
-            <a:ext cx="12192000" cy="736551"/>
+            <a:off x="0" y="0"/>
+            <a:ext cx="12192000" cy="6858000"/>
           </a:xfrm>
           <a:prstGeom prst="rect">
             <a:avLst/>
           </a:prstGeom>
           <a:solidFill>
-            <a:schemeClr val="bg1">
-              <a:alpha val="93000"/>
-            </a:schemeClr>
+            <a:srgbClr val="FFFFFF"/>
           </a:solidFill>
           <a:ln>
             <a:noFill/>
@@ -4167,62 +4166,19 @@
       </p:sp>
       <p:sp>
         <p:nvSpPr>
-          <p:cNvPr id="2" name="Title 1">
-            <a:extLst>
-              <a:ext uri="{FF2B5EF4-FFF2-40B4-BE49-F238E27FC236}">
-                <a16:creationId xmlns:a16="http://schemas.microsoft.com/office/drawing/2014/main" id="{727C8C53-CD83-8773-EB55-E997AE307E9B}"/>
-              </a:ext>
-            </a:extLst>
-          </p:cNvPr>
-          <p:cNvSpPr>
-            <a:spLocks noGrp="1"/>
-          </p:cNvSpPr>
-          <p:nvPr>
-            <p:ph type="title"/>
-          </p:nvPr>
-        </p:nvSpPr>
-        <p:spPr>
-          <a:xfrm>
-            <a:off x="523875" y="5317240"/>
-            <a:ext cx="11210925" cy="744836"/>
-          </a:xfrm>
-        </p:spPr>
-        <p:txBody>
-          <a:bodyPr vert="horz" lIns="91440" tIns="45720" rIns="91440" bIns="45720" rtlCol="0" anchor="ctr">
-            <a:normAutofit/>
-          </a:bodyPr>
-          <a:lstStyle/>
-          <a:p>
-            <a:pPr algn="ctr"/>
-            <a:r>
-              <a:rPr lang="en-US" sz="3600">
-                <a:solidFill>
-                  <a:schemeClr val="tx1">
-                    <a:lumMod val="85000"/>
-                    <a:lumOff val="15000"/>
-                  </a:schemeClr>
-                </a:solidFill>
-              </a:rPr>
-              <a:t>Liquor</a:t>
-            </a:r>
-          </a:p>
-        </p:txBody>
-      </p:sp>
-      <p:cxnSp>
-        <p:nvCxnSpPr>
-          <p:cNvPr id="11" name="Straight Connector 10">
-            <a:extLst>
-              <a:ext uri="{FF2B5EF4-FFF2-40B4-BE49-F238E27FC236}">
-                <a16:creationId xmlns:a16="http://schemas.microsoft.com/office/drawing/2014/main" id="{AA2EAA10-076F-46BD-8F0F-B9A2FB77A85C}"/>
+          <p:cNvPr id="12" name="Rectangle 11">
+            <a:extLst>
+              <a:ext uri="{FF2B5EF4-FFF2-40B4-BE49-F238E27FC236}">
+                <a16:creationId xmlns:a16="http://schemas.microsoft.com/office/drawing/2014/main" id="{047C8CCB-F95D-4249-92DD-651249D3535A}"/>
               </a:ext>
               <a:ext uri="{C183D7F6-B498-43B3-948B-1728B52AA6E4}">
                 <adec:decorative xmlns:adec="http://schemas.microsoft.com/office/drawing/2017/decorative" val="1"/>
               </a:ext>
             </a:extLst>
           </p:cNvPr>
-          <p:cNvCxnSpPr>
-            <a:cxnSpLocks noGrp="1" noRot="1" noChangeAspect="1" noMove="1" noResize="1" noEditPoints="1" noAdjustHandles="1" noChangeArrowheads="1" noChangeShapeType="1"/>
-          </p:cNvCxnSpPr>
+          <p:cNvSpPr>
+            <a:spLocks noGrp="1" noRot="1" noChangeAspect="1" noMove="1" noResize="1" noEditPoints="1" noAdjustHandles="1" noChangeArrowheads="1" noChangeShapeType="1" noTextEdit="1"/>
+          </p:cNvSpPr>
           <p:nvPr>
             <p:extLst>
               <p:ext uri="{386F3935-93C4-4BCD-93E2-E3B085C9AB24}">
@@ -4230,96 +4186,147 @@
               </p:ext>
             </p:extLst>
           </p:nvPr>
-        </p:nvCxnSpPr>
-        <p:spPr>
-          <a:xfrm>
-            <a:off x="0" y="5241983"/>
-            <a:ext cx="12192000" cy="0"/>
-          </a:xfrm>
-          <a:prstGeom prst="line">
+        </p:nvSpPr>
+        <p:spPr>
+          <a:xfrm>
+            <a:off x="0" y="0"/>
+            <a:ext cx="2013557" cy="6858000"/>
+          </a:xfrm>
+          <a:prstGeom prst="rect">
             <a:avLst/>
           </a:prstGeom>
-          <a:ln w="41275">
-            <a:solidFill>
-              <a:schemeClr val="bg1">
-                <a:alpha val="90000"/>
-              </a:schemeClr>
-            </a:solidFill>
+          <a:solidFill>
+            <a:srgbClr val="7F7F7F"/>
+          </a:solidFill>
+          <a:ln>
+            <a:noFill/>
           </a:ln>
         </p:spPr>
         <p:style>
-          <a:lnRef idx="1">
-            <a:schemeClr val="accent1"/>
+          <a:lnRef idx="2">
+            <a:schemeClr val="accent1">
+              <a:shade val="50000"/>
+            </a:schemeClr>
           </a:lnRef>
-          <a:fillRef idx="0">
+          <a:fillRef idx="1">
             <a:schemeClr val="accent1"/>
           </a:fillRef>
           <a:effectRef idx="0">
             <a:schemeClr val="accent1"/>
           </a:effectRef>
           <a:fontRef idx="minor">
-            <a:schemeClr val="tx1"/>
+            <a:schemeClr val="lt1"/>
           </a:fontRef>
         </p:style>
-      </p:cxnSp>
-      <p:cxnSp>
-        <p:nvCxnSpPr>
-          <p:cNvPr id="13" name="Straight Connector 12">
-            <a:extLst>
-              <a:ext uri="{FF2B5EF4-FFF2-40B4-BE49-F238E27FC236}">
-                <a16:creationId xmlns:a16="http://schemas.microsoft.com/office/drawing/2014/main" id="{D891E407-403B-4764-86C9-33A56D3BCAA3}"/>
-              </a:ext>
-              <a:ext uri="{C183D7F6-B498-43B3-948B-1728B52AA6E4}">
-                <adec:decorative xmlns:adec="http://schemas.microsoft.com/office/drawing/2017/decorative" val="1"/>
-              </a:ext>
-            </a:extLst>
-          </p:cNvPr>
-          <p:cNvCxnSpPr>
-            <a:cxnSpLocks noGrp="1" noRot="1" noChangeAspect="1" noMove="1" noResize="1" noEditPoints="1" noAdjustHandles="1" noChangeArrowheads="1" noChangeShapeType="1"/>
-          </p:cNvCxnSpPr>
-          <p:nvPr>
-            <p:extLst>
-              <p:ext uri="{386F3935-93C4-4BCD-93E2-E3B085C9AB24}">
-                <p16:designElem xmlns:p16="http://schemas.microsoft.com/office/powerpoint/2015/main" val="1"/>
-              </p:ext>
-            </p:extLst>
-          </p:nvPr>
-        </p:nvCxnSpPr>
-        <p:spPr>
-          <a:xfrm>
-            <a:off x="0" y="6134852"/>
-            <a:ext cx="12192000" cy="0"/>
-          </a:xfrm>
-          <a:prstGeom prst="line">
+        <p:txBody>
+          <a:bodyPr rtlCol="0" anchor="ctr"/>
+          <a:lstStyle/>
+          <a:p>
+            <a:pPr algn="ctr"/>
+            <a:endParaRPr lang="en-US"/>
+          </a:p>
+        </p:txBody>
+      </p:sp>
+      <p:sp>
+        <p:nvSpPr>
+          <p:cNvPr id="2" name="Title 1">
+            <a:extLst>
+              <a:ext uri="{FF2B5EF4-FFF2-40B4-BE49-F238E27FC236}">
+                <a16:creationId xmlns:a16="http://schemas.microsoft.com/office/drawing/2014/main" id="{1130F59D-FC73-AAB4-CAEB-9D8D2B3BF7A2}"/>
+              </a:ext>
+            </a:extLst>
+          </p:cNvPr>
+          <p:cNvSpPr>
+            <a:spLocks noGrp="1"/>
+          </p:cNvSpPr>
+          <p:nvPr>
+            <p:ph type="title"/>
+          </p:nvPr>
+        </p:nvSpPr>
+        <p:spPr>
+          <a:xfrm>
+            <a:off x="640080" y="2074363"/>
+            <a:ext cx="2752354" cy="2709275"/>
+          </a:xfrm>
+          <a:prstGeom prst="ellipse">
             <a:avLst/>
           </a:prstGeom>
-          <a:ln w="41275">
+          <a:solidFill>
+            <a:srgbClr val="262626"/>
+          </a:solidFill>
+          <a:ln w="174625" cmpd="thinThick">
             <a:solidFill>
-              <a:schemeClr val="bg1">
-                <a:alpha val="90000"/>
-              </a:schemeClr>
+              <a:srgbClr val="262626"/>
             </a:solidFill>
           </a:ln>
         </p:spPr>
-        <p:style>
-          <a:lnRef idx="1">
-            <a:schemeClr val="accent1"/>
-          </a:lnRef>
-          <a:fillRef idx="0">
-            <a:schemeClr val="accent1"/>
-          </a:fillRef>
-          <a:effectRef idx="0">
-            <a:schemeClr val="accent1"/>
-          </a:effectRef>
-          <a:fontRef idx="minor">
-            <a:schemeClr val="tx1"/>
-          </a:fontRef>
-        </p:style>
-      </p:cxnSp>
+        <p:txBody>
+          <a:bodyPr vert="horz" lIns="91440" tIns="45720" rIns="91440" bIns="45720" rtlCol="0" anchor="ctr">
+            <a:normAutofit/>
+          </a:bodyPr>
+          <a:lstStyle/>
+          <a:p>
+            <a:pPr algn="ctr"/>
+            <a:r>
+              <a:rPr lang="en-US" sz="2600" kern="1200">
+                <a:solidFill>
+                  <a:srgbClr val="FFFFFF"/>
+                </a:solidFill>
+                <a:latin typeface="+mj-lt"/>
+                <a:ea typeface="+mj-ea"/>
+                <a:cs typeface="+mj-cs"/>
+              </a:rPr>
+              <a:t>Beer Sales By Business</a:t>
+            </a:r>
+          </a:p>
+        </p:txBody>
+      </p:sp>
+      <p:pic>
+        <p:nvPicPr>
+          <p:cNvPr id="18" name="Content Placeholder 17" descr="Chart&#10;&#10;Description automatically generated">
+            <a:extLst>
+              <a:ext uri="{FF2B5EF4-FFF2-40B4-BE49-F238E27FC236}">
+                <a16:creationId xmlns:a16="http://schemas.microsoft.com/office/drawing/2014/main" id="{6CEDEB6A-94F1-49A9-75D2-2F5DA46563B4}"/>
+              </a:ext>
+            </a:extLst>
+          </p:cNvPr>
+          <p:cNvPicPr>
+            <a:picLocks noGrp="1" noChangeAspect="1"/>
+          </p:cNvPicPr>
+          <p:nvPr>
+            <p:ph idx="1"/>
+          </p:nvPr>
+        </p:nvPicPr>
+        <p:blipFill>
+          <a:blip r:embed="rId2"/>
+          <a:stretch>
+            <a:fillRect/>
+          </a:stretch>
+        </p:blipFill>
+        <p:spPr bwMode="auto">
+          <a:xfrm>
+            <a:off x="3600451" y="1071563"/>
+            <a:ext cx="9339606" cy="4557712"/>
+          </a:xfrm>
+          <a:prstGeom prst="rect">
+            <a:avLst/>
+          </a:prstGeom>
+          <a:noFill/>
+          <a:extLst>
+            <a:ext uri="{909E8E84-426E-40DD-AFC4-6F175D3DCCD1}">
+              <a14:hiddenFill xmlns:a14="http://schemas.microsoft.com/office/drawing/2010/main">
+                <a:solidFill>
+                  <a:srgbClr val="FFFFFF"/>
+                </a:solidFill>
+              </a14:hiddenFill>
+            </a:ext>
+          </a:extLst>
+        </p:spPr>
+      </p:pic>
     </p:spTree>
     <p:extLst>
       <p:ext uri="{BB962C8B-B14F-4D97-AF65-F5344CB8AC3E}">
-        <p14:creationId xmlns:p14="http://schemas.microsoft.com/office/powerpoint/2010/main" val="2293900032"/>
+        <p14:creationId xmlns:p14="http://schemas.microsoft.com/office/powerpoint/2010/main" val="4045045025"/>
       </p:ext>
     </p:extLst>
   </p:cSld>
@@ -4354,12 +4361,41 @@
           <a:chExt cx="0" cy="0"/>
         </a:xfrm>
       </p:grpSpPr>
-      <p:sp>
-        <p:nvSpPr>
-          <p:cNvPr id="10" name="Rectangle 9">
-            <a:extLst>
-              <a:ext uri="{FF2B5EF4-FFF2-40B4-BE49-F238E27FC236}">
-                <a16:creationId xmlns:a16="http://schemas.microsoft.com/office/drawing/2014/main" id="{6753252F-4873-4F63-801D-CC719279A7D5}"/>
+      <p:pic>
+        <p:nvPicPr>
+          <p:cNvPr id="5" name="Picture 4" descr="Green glass bottles">
+            <a:extLst>
+              <a:ext uri="{FF2B5EF4-FFF2-40B4-BE49-F238E27FC236}">
+                <a16:creationId xmlns:a16="http://schemas.microsoft.com/office/drawing/2014/main" id="{D9E5842A-C02D-F27D-C416-432DCF8210CC}"/>
+              </a:ext>
+            </a:extLst>
+          </p:cNvPr>
+          <p:cNvPicPr>
+            <a:picLocks noChangeAspect="1"/>
+          </p:cNvPicPr>
+          <p:nvPr/>
+        </p:nvPicPr>
+        <p:blipFill rotWithShape="1">
+          <a:blip r:embed="rId2"/>
+          <a:srcRect t="2802" b="11647"/>
+          <a:stretch/>
+        </p:blipFill>
+        <p:spPr>
+          <a:xfrm>
+            <a:off x="20" y="10"/>
+            <a:ext cx="12191980" cy="6857990"/>
+          </a:xfrm>
+          <a:prstGeom prst="rect">
+            <a:avLst/>
+          </a:prstGeom>
+        </p:spPr>
+      </p:pic>
+      <p:sp>
+        <p:nvSpPr>
+          <p:cNvPr id="9" name="Rectangle 8">
+            <a:extLst>
+              <a:ext uri="{FF2B5EF4-FFF2-40B4-BE49-F238E27FC236}">
+                <a16:creationId xmlns:a16="http://schemas.microsoft.com/office/drawing/2014/main" id="{37C89E4B-3C9F-44B9-8B86-D9E3D112D8EC}"/>
               </a:ext>
               <a:ext uri="{C183D7F6-B498-43B3-948B-1728B52AA6E4}">
                 <adec:decorative xmlns:adec="http://schemas.microsoft.com/office/drawing/2017/decorative" val="1"/>
@@ -4379,14 +4415,16 @@
         </p:nvSpPr>
         <p:spPr>
           <a:xfrm>
-            <a:off x="0" y="0"/>
-            <a:ext cx="12192000" cy="6858000"/>
+            <a:off x="0" y="5320142"/>
+            <a:ext cx="12192000" cy="736551"/>
           </a:xfrm>
           <a:prstGeom prst="rect">
             <a:avLst/>
           </a:prstGeom>
           <a:solidFill>
-            <a:srgbClr val="FFFFFF"/>
+            <a:schemeClr val="bg1">
+              <a:alpha val="93000"/>
+            </a:schemeClr>
           </a:solidFill>
           <a:ln>
             <a:noFill/>
@@ -4419,19 +4457,62 @@
       </p:sp>
       <p:sp>
         <p:nvSpPr>
-          <p:cNvPr id="12" name="Rectangle 11">
-            <a:extLst>
-              <a:ext uri="{FF2B5EF4-FFF2-40B4-BE49-F238E27FC236}">
-                <a16:creationId xmlns:a16="http://schemas.microsoft.com/office/drawing/2014/main" id="{047C8CCB-F95D-4249-92DD-651249D3535A}"/>
+          <p:cNvPr id="2" name="Title 1">
+            <a:extLst>
+              <a:ext uri="{FF2B5EF4-FFF2-40B4-BE49-F238E27FC236}">
+                <a16:creationId xmlns:a16="http://schemas.microsoft.com/office/drawing/2014/main" id="{727C8C53-CD83-8773-EB55-E997AE307E9B}"/>
+              </a:ext>
+            </a:extLst>
+          </p:cNvPr>
+          <p:cNvSpPr>
+            <a:spLocks noGrp="1"/>
+          </p:cNvSpPr>
+          <p:nvPr>
+            <p:ph type="title"/>
+          </p:nvPr>
+        </p:nvSpPr>
+        <p:spPr>
+          <a:xfrm>
+            <a:off x="523875" y="5317240"/>
+            <a:ext cx="11210925" cy="744836"/>
+          </a:xfrm>
+        </p:spPr>
+        <p:txBody>
+          <a:bodyPr vert="horz" lIns="91440" tIns="45720" rIns="91440" bIns="45720" rtlCol="0" anchor="ctr">
+            <a:normAutofit/>
+          </a:bodyPr>
+          <a:lstStyle/>
+          <a:p>
+            <a:pPr algn="ctr"/>
+            <a:r>
+              <a:rPr lang="en-US" sz="3600">
+                <a:solidFill>
+                  <a:schemeClr val="tx1">
+                    <a:lumMod val="85000"/>
+                    <a:lumOff val="15000"/>
+                  </a:schemeClr>
+                </a:solidFill>
+              </a:rPr>
+              <a:t>Liquor</a:t>
+            </a:r>
+          </a:p>
+        </p:txBody>
+      </p:sp>
+      <p:cxnSp>
+        <p:nvCxnSpPr>
+          <p:cNvPr id="11" name="Straight Connector 10">
+            <a:extLst>
+              <a:ext uri="{FF2B5EF4-FFF2-40B4-BE49-F238E27FC236}">
+                <a16:creationId xmlns:a16="http://schemas.microsoft.com/office/drawing/2014/main" id="{AA2EAA10-076F-46BD-8F0F-B9A2FB77A85C}"/>
               </a:ext>
               <a:ext uri="{C183D7F6-B498-43B3-948B-1728B52AA6E4}">
                 <adec:decorative xmlns:adec="http://schemas.microsoft.com/office/drawing/2017/decorative" val="1"/>
               </a:ext>
             </a:extLst>
           </p:cNvPr>
-          <p:cNvSpPr>
-            <a:spLocks noGrp="1" noRot="1" noChangeAspect="1" noMove="1" noResize="1" noEditPoints="1" noAdjustHandles="1" noChangeArrowheads="1" noChangeShapeType="1" noTextEdit="1"/>
-          </p:cNvSpPr>
+          <p:cNvCxnSpPr>
+            <a:cxnSpLocks noGrp="1" noRot="1" noChangeAspect="1" noMove="1" noResize="1" noEditPoints="1" noAdjustHandles="1" noChangeArrowheads="1" noChangeShapeType="1"/>
+          </p:cNvCxnSpPr>
           <p:nvPr>
             <p:extLst>
               <p:ext uri="{386F3935-93C4-4BCD-93E2-E3B085C9AB24}">
@@ -4439,137 +4520,96 @@
               </p:ext>
             </p:extLst>
           </p:nvPr>
-        </p:nvSpPr>
-        <p:spPr>
-          <a:xfrm>
-            <a:off x="0" y="0"/>
-            <a:ext cx="2013557" cy="6858000"/>
-          </a:xfrm>
-          <a:prstGeom prst="rect">
+        </p:nvCxnSpPr>
+        <p:spPr>
+          <a:xfrm>
+            <a:off x="0" y="5241983"/>
+            <a:ext cx="12192000" cy="0"/>
+          </a:xfrm>
+          <a:prstGeom prst="line">
             <a:avLst/>
           </a:prstGeom>
-          <a:solidFill>
-            <a:srgbClr val="359327"/>
-          </a:solidFill>
-          <a:ln>
-            <a:noFill/>
+          <a:ln w="41275">
+            <a:solidFill>
+              <a:schemeClr val="bg1">
+                <a:alpha val="90000"/>
+              </a:schemeClr>
+            </a:solidFill>
           </a:ln>
         </p:spPr>
         <p:style>
-          <a:lnRef idx="2">
-            <a:schemeClr val="accent1">
-              <a:shade val="50000"/>
-            </a:schemeClr>
+          <a:lnRef idx="1">
+            <a:schemeClr val="accent1"/>
           </a:lnRef>
-          <a:fillRef idx="1">
+          <a:fillRef idx="0">
             <a:schemeClr val="accent1"/>
           </a:fillRef>
           <a:effectRef idx="0">
             <a:schemeClr val="accent1"/>
           </a:effectRef>
           <a:fontRef idx="minor">
-            <a:schemeClr val="lt1"/>
+            <a:schemeClr val="tx1"/>
           </a:fontRef>
         </p:style>
-        <p:txBody>
-          <a:bodyPr rtlCol="0" anchor="ctr"/>
-          <a:lstStyle/>
-          <a:p>
-            <a:pPr algn="ctr"/>
-            <a:endParaRPr lang="en-US"/>
-          </a:p>
-        </p:txBody>
-      </p:sp>
-      <p:sp>
-        <p:nvSpPr>
-          <p:cNvPr id="2" name="Title 1">
-            <a:extLst>
-              <a:ext uri="{FF2B5EF4-FFF2-40B4-BE49-F238E27FC236}">
-                <a16:creationId xmlns:a16="http://schemas.microsoft.com/office/drawing/2014/main" id="{97F7E1F4-34EC-F1DA-B6F0-45E9846FE02C}"/>
-              </a:ext>
-            </a:extLst>
-          </p:cNvPr>
-          <p:cNvSpPr>
-            <a:spLocks noGrp="1"/>
-          </p:cNvSpPr>
-          <p:nvPr>
-            <p:ph type="title"/>
-          </p:nvPr>
-        </p:nvSpPr>
-        <p:spPr>
-          <a:xfrm>
-            <a:off x="640080" y="2074363"/>
-            <a:ext cx="2752354" cy="2709275"/>
-          </a:xfrm>
-          <a:prstGeom prst="ellipse">
+      </p:cxnSp>
+      <p:cxnSp>
+        <p:nvCxnSpPr>
+          <p:cNvPr id="13" name="Straight Connector 12">
+            <a:extLst>
+              <a:ext uri="{FF2B5EF4-FFF2-40B4-BE49-F238E27FC236}">
+                <a16:creationId xmlns:a16="http://schemas.microsoft.com/office/drawing/2014/main" id="{D891E407-403B-4764-86C9-33A56D3BCAA3}"/>
+              </a:ext>
+              <a:ext uri="{C183D7F6-B498-43B3-948B-1728B52AA6E4}">
+                <adec:decorative xmlns:adec="http://schemas.microsoft.com/office/drawing/2017/decorative" val="1"/>
+              </a:ext>
+            </a:extLst>
+          </p:cNvPr>
+          <p:cNvCxnSpPr>
+            <a:cxnSpLocks noGrp="1" noRot="1" noChangeAspect="1" noMove="1" noResize="1" noEditPoints="1" noAdjustHandles="1" noChangeArrowheads="1" noChangeShapeType="1"/>
+          </p:cNvCxnSpPr>
+          <p:nvPr>
+            <p:extLst>
+              <p:ext uri="{386F3935-93C4-4BCD-93E2-E3B085C9AB24}">
+                <p16:designElem xmlns:p16="http://schemas.microsoft.com/office/powerpoint/2015/main" val="1"/>
+              </p:ext>
+            </p:extLst>
+          </p:nvPr>
+        </p:nvCxnSpPr>
+        <p:spPr>
+          <a:xfrm>
+            <a:off x="0" y="6134852"/>
+            <a:ext cx="12192000" cy="0"/>
+          </a:xfrm>
+          <a:prstGeom prst="line">
             <a:avLst/>
           </a:prstGeom>
-          <a:solidFill>
-            <a:srgbClr val="262626"/>
-          </a:solidFill>
-          <a:ln w="174625" cmpd="thinThick">
+          <a:ln w="41275">
             <a:solidFill>
-              <a:srgbClr val="262626"/>
+              <a:schemeClr val="bg1">
+                <a:alpha val="90000"/>
+              </a:schemeClr>
             </a:solidFill>
           </a:ln>
         </p:spPr>
-        <p:txBody>
-          <a:bodyPr vert="horz" lIns="91440" tIns="45720" rIns="91440" bIns="45720" rtlCol="0" anchor="ctr">
-            <a:normAutofit/>
-          </a:bodyPr>
-          <a:lstStyle/>
-          <a:p>
-            <a:pPr algn="ctr"/>
-            <a:r>
-              <a:rPr lang="en-US" sz="2600" kern="1200">
-                <a:solidFill>
-                  <a:srgbClr val="FFFFFF"/>
-                </a:solidFill>
-                <a:latin typeface="+mj-lt"/>
-                <a:ea typeface="+mj-ea"/>
-                <a:cs typeface="+mj-cs"/>
-              </a:rPr>
-              <a:t>Liquor Sales By City</a:t>
-            </a:r>
-          </a:p>
-        </p:txBody>
-      </p:sp>
-      <p:pic>
-        <p:nvPicPr>
-          <p:cNvPr id="5" name="Content Placeholder 4" descr="Chart, pie chart&#10;&#10;Description automatically generated">
-            <a:extLst>
-              <a:ext uri="{FF2B5EF4-FFF2-40B4-BE49-F238E27FC236}">
-                <a16:creationId xmlns:a16="http://schemas.microsoft.com/office/drawing/2014/main" id="{7FE7F5A0-4E19-9DC9-2484-C5DC735FF8D5}"/>
-              </a:ext>
-            </a:extLst>
-          </p:cNvPr>
-          <p:cNvPicPr>
-            <a:picLocks noGrp="1" noChangeAspect="1"/>
-          </p:cNvPicPr>
-          <p:nvPr>
-            <p:ph idx="1"/>
-          </p:nvPr>
-        </p:nvPicPr>
-        <p:blipFill>
-          <a:blip r:embed="rId2"/>
-          <a:stretch>
-            <a:fillRect/>
-          </a:stretch>
-        </p:blipFill>
-        <p:spPr>
-          <a:xfrm>
-            <a:off x="4202006" y="242888"/>
-            <a:ext cx="6615112" cy="6615112"/>
-          </a:xfrm>
-          <a:prstGeom prst="rect">
-            <a:avLst/>
-          </a:prstGeom>
-        </p:spPr>
-      </p:pic>
+        <p:style>
+          <a:lnRef idx="1">
+            <a:schemeClr val="accent1"/>
+          </a:lnRef>
+          <a:fillRef idx="0">
+            <a:schemeClr val="accent1"/>
+          </a:fillRef>
+          <a:effectRef idx="0">
+            <a:schemeClr val="accent1"/>
+          </a:effectRef>
+          <a:fontRef idx="minor">
+            <a:schemeClr val="tx1"/>
+          </a:fontRef>
+        </p:style>
+      </p:cxnSp>
     </p:spTree>
     <p:extLst>
       <p:ext uri="{BB962C8B-B14F-4D97-AF65-F5344CB8AC3E}">
-        <p14:creationId xmlns:p14="http://schemas.microsoft.com/office/powerpoint/2010/main" val="3550584943"/>
+        <p14:creationId xmlns:p14="http://schemas.microsoft.com/office/powerpoint/2010/main" val="2293900032"/>
       </p:ext>
     </p:extLst>
   </p:cSld>
@@ -4735,7 +4775,7 @@
           <p:cNvPr id="2" name="Title 1">
             <a:extLst>
               <a:ext uri="{FF2B5EF4-FFF2-40B4-BE49-F238E27FC236}">
-                <a16:creationId xmlns:a16="http://schemas.microsoft.com/office/drawing/2014/main" id="{043F3AB5-FD6C-1275-AB62-AA97796ED202}"/>
+                <a16:creationId xmlns:a16="http://schemas.microsoft.com/office/drawing/2014/main" id="{97F7E1F4-34EC-F1DA-B6F0-45E9846FE02C}"/>
               </a:ext>
             </a:extLst>
           </p:cNvPr>
@@ -4771,6 +4811,256 @@
           <a:p>
             <a:pPr algn="ctr"/>
             <a:r>
+              <a:rPr lang="en-US" sz="2600" kern="1200">
+                <a:solidFill>
+                  <a:srgbClr val="FFFFFF"/>
+                </a:solidFill>
+                <a:latin typeface="+mj-lt"/>
+                <a:ea typeface="+mj-ea"/>
+                <a:cs typeface="+mj-cs"/>
+              </a:rPr>
+              <a:t>Liquor Sales By City</a:t>
+            </a:r>
+          </a:p>
+        </p:txBody>
+      </p:sp>
+      <p:pic>
+        <p:nvPicPr>
+          <p:cNvPr id="5" name="Content Placeholder 4" descr="Chart, pie chart&#10;&#10;Description automatically generated">
+            <a:extLst>
+              <a:ext uri="{FF2B5EF4-FFF2-40B4-BE49-F238E27FC236}">
+                <a16:creationId xmlns:a16="http://schemas.microsoft.com/office/drawing/2014/main" id="{7FE7F5A0-4E19-9DC9-2484-C5DC735FF8D5}"/>
+              </a:ext>
+            </a:extLst>
+          </p:cNvPr>
+          <p:cNvPicPr>
+            <a:picLocks noGrp="1" noChangeAspect="1"/>
+          </p:cNvPicPr>
+          <p:nvPr>
+            <p:ph idx="1"/>
+          </p:nvPr>
+        </p:nvPicPr>
+        <p:blipFill>
+          <a:blip r:embed="rId2"/>
+          <a:stretch>
+            <a:fillRect/>
+          </a:stretch>
+        </p:blipFill>
+        <p:spPr>
+          <a:xfrm>
+            <a:off x="4202006" y="242888"/>
+            <a:ext cx="6615112" cy="6615112"/>
+          </a:xfrm>
+          <a:prstGeom prst="rect">
+            <a:avLst/>
+          </a:prstGeom>
+        </p:spPr>
+      </p:pic>
+    </p:spTree>
+    <p:extLst>
+      <p:ext uri="{BB962C8B-B14F-4D97-AF65-F5344CB8AC3E}">
+        <p14:creationId xmlns:p14="http://schemas.microsoft.com/office/powerpoint/2010/main" val="3550584943"/>
+      </p:ext>
+    </p:extLst>
+  </p:cSld>
+  <p:clrMapOvr>
+    <a:masterClrMapping/>
+  </p:clrMapOvr>
+</p:sld>
+</file>
+
+<file path=ppt/slides/slide15.xml><?xml version="1.0" encoding="utf-8"?>
+<p:sld xmlns:a="http://schemas.openxmlformats.org/drawingml/2006/main" xmlns:r="http://schemas.openxmlformats.org/officeDocument/2006/relationships" xmlns:p="http://schemas.openxmlformats.org/presentationml/2006/main">
+  <p:cSld>
+    <p:bg>
+      <p:bgPr>
+        <a:solidFill>
+          <a:schemeClr val="bg1"/>
+        </a:solidFill>
+        <a:effectLst/>
+      </p:bgPr>
+    </p:bg>
+    <p:spTree>
+      <p:nvGrpSpPr>
+        <p:cNvPr id="1" name=""/>
+        <p:cNvGrpSpPr/>
+        <p:nvPr/>
+      </p:nvGrpSpPr>
+      <p:grpSpPr>
+        <a:xfrm>
+          <a:off x="0" y="0"/>
+          <a:ext cx="0" cy="0"/>
+          <a:chOff x="0" y="0"/>
+          <a:chExt cx="0" cy="0"/>
+        </a:xfrm>
+      </p:grpSpPr>
+      <p:sp>
+        <p:nvSpPr>
+          <p:cNvPr id="10" name="Rectangle 9">
+            <a:extLst>
+              <a:ext uri="{FF2B5EF4-FFF2-40B4-BE49-F238E27FC236}">
+                <a16:creationId xmlns:a16="http://schemas.microsoft.com/office/drawing/2014/main" id="{6753252F-4873-4F63-801D-CC719279A7D5}"/>
+              </a:ext>
+              <a:ext uri="{C183D7F6-B498-43B3-948B-1728B52AA6E4}">
+                <adec:decorative xmlns:adec="http://schemas.microsoft.com/office/drawing/2017/decorative" val="1"/>
+              </a:ext>
+            </a:extLst>
+          </p:cNvPr>
+          <p:cNvSpPr>
+            <a:spLocks noGrp="1" noRot="1" noChangeAspect="1" noMove="1" noResize="1" noEditPoints="1" noAdjustHandles="1" noChangeArrowheads="1" noChangeShapeType="1" noTextEdit="1"/>
+          </p:cNvSpPr>
+          <p:nvPr>
+            <p:extLst>
+              <p:ext uri="{386F3935-93C4-4BCD-93E2-E3B085C9AB24}">
+                <p16:designElem xmlns:p16="http://schemas.microsoft.com/office/powerpoint/2015/main" val="1"/>
+              </p:ext>
+            </p:extLst>
+          </p:nvPr>
+        </p:nvSpPr>
+        <p:spPr>
+          <a:xfrm>
+            <a:off x="0" y="0"/>
+            <a:ext cx="12192000" cy="6858000"/>
+          </a:xfrm>
+          <a:prstGeom prst="rect">
+            <a:avLst/>
+          </a:prstGeom>
+          <a:solidFill>
+            <a:srgbClr val="FFFFFF"/>
+          </a:solidFill>
+          <a:ln>
+            <a:noFill/>
+          </a:ln>
+        </p:spPr>
+        <p:style>
+          <a:lnRef idx="2">
+            <a:schemeClr val="accent1">
+              <a:shade val="50000"/>
+            </a:schemeClr>
+          </a:lnRef>
+          <a:fillRef idx="1">
+            <a:schemeClr val="accent1"/>
+          </a:fillRef>
+          <a:effectRef idx="0">
+            <a:schemeClr val="accent1"/>
+          </a:effectRef>
+          <a:fontRef idx="minor">
+            <a:schemeClr val="lt1"/>
+          </a:fontRef>
+        </p:style>
+        <p:txBody>
+          <a:bodyPr rtlCol="0" anchor="ctr"/>
+          <a:lstStyle/>
+          <a:p>
+            <a:pPr algn="ctr"/>
+            <a:endParaRPr lang="en-US"/>
+          </a:p>
+        </p:txBody>
+      </p:sp>
+      <p:sp>
+        <p:nvSpPr>
+          <p:cNvPr id="12" name="Rectangle 11">
+            <a:extLst>
+              <a:ext uri="{FF2B5EF4-FFF2-40B4-BE49-F238E27FC236}">
+                <a16:creationId xmlns:a16="http://schemas.microsoft.com/office/drawing/2014/main" id="{047C8CCB-F95D-4249-92DD-651249D3535A}"/>
+              </a:ext>
+              <a:ext uri="{C183D7F6-B498-43B3-948B-1728B52AA6E4}">
+                <adec:decorative xmlns:adec="http://schemas.microsoft.com/office/drawing/2017/decorative" val="1"/>
+              </a:ext>
+            </a:extLst>
+          </p:cNvPr>
+          <p:cNvSpPr>
+            <a:spLocks noGrp="1" noRot="1" noChangeAspect="1" noMove="1" noResize="1" noEditPoints="1" noAdjustHandles="1" noChangeArrowheads="1" noChangeShapeType="1" noTextEdit="1"/>
+          </p:cNvSpPr>
+          <p:nvPr>
+            <p:extLst>
+              <p:ext uri="{386F3935-93C4-4BCD-93E2-E3B085C9AB24}">
+                <p16:designElem xmlns:p16="http://schemas.microsoft.com/office/powerpoint/2015/main" val="1"/>
+              </p:ext>
+            </p:extLst>
+          </p:nvPr>
+        </p:nvSpPr>
+        <p:spPr>
+          <a:xfrm>
+            <a:off x="0" y="0"/>
+            <a:ext cx="2013557" cy="6858000"/>
+          </a:xfrm>
+          <a:prstGeom prst="rect">
+            <a:avLst/>
+          </a:prstGeom>
+          <a:solidFill>
+            <a:srgbClr val="359327"/>
+          </a:solidFill>
+          <a:ln>
+            <a:noFill/>
+          </a:ln>
+        </p:spPr>
+        <p:style>
+          <a:lnRef idx="2">
+            <a:schemeClr val="accent1">
+              <a:shade val="50000"/>
+            </a:schemeClr>
+          </a:lnRef>
+          <a:fillRef idx="1">
+            <a:schemeClr val="accent1"/>
+          </a:fillRef>
+          <a:effectRef idx="0">
+            <a:schemeClr val="accent1"/>
+          </a:effectRef>
+          <a:fontRef idx="minor">
+            <a:schemeClr val="lt1"/>
+          </a:fontRef>
+        </p:style>
+        <p:txBody>
+          <a:bodyPr rtlCol="0" anchor="ctr"/>
+          <a:lstStyle/>
+          <a:p>
+            <a:pPr algn="ctr"/>
+            <a:endParaRPr lang="en-US"/>
+          </a:p>
+        </p:txBody>
+      </p:sp>
+      <p:sp>
+        <p:nvSpPr>
+          <p:cNvPr id="2" name="Title 1">
+            <a:extLst>
+              <a:ext uri="{FF2B5EF4-FFF2-40B4-BE49-F238E27FC236}">
+                <a16:creationId xmlns:a16="http://schemas.microsoft.com/office/drawing/2014/main" id="{043F3AB5-FD6C-1275-AB62-AA97796ED202}"/>
+              </a:ext>
+            </a:extLst>
+          </p:cNvPr>
+          <p:cNvSpPr>
+            <a:spLocks noGrp="1"/>
+          </p:cNvSpPr>
+          <p:nvPr>
+            <p:ph type="title"/>
+          </p:nvPr>
+        </p:nvSpPr>
+        <p:spPr>
+          <a:xfrm>
+            <a:off x="640080" y="2074363"/>
+            <a:ext cx="2752354" cy="2709275"/>
+          </a:xfrm>
+          <a:prstGeom prst="ellipse">
+            <a:avLst/>
+          </a:prstGeom>
+          <a:solidFill>
+            <a:srgbClr val="262626"/>
+          </a:solidFill>
+          <a:ln w="174625" cmpd="thinThick">
+            <a:solidFill>
+              <a:srgbClr val="262626"/>
+            </a:solidFill>
+          </a:ln>
+        </p:spPr>
+        <p:txBody>
+          <a:bodyPr vert="horz" lIns="91440" tIns="45720" rIns="91440" bIns="45720" rtlCol="0" anchor="ctr">
+            <a:normAutofit/>
+          </a:bodyPr>
+          <a:lstStyle/>
+          <a:p>
+            <a:pPr algn="ctr"/>
+            <a:r>
               <a:rPr lang="en-US" sz="2600" kern="1200" dirty="0">
                 <a:solidFill>
                   <a:srgbClr val="FFFFFF"/>
@@ -4817,6 +5107,128 @@
     <p:extLst>
       <p:ext uri="{BB962C8B-B14F-4D97-AF65-F5344CB8AC3E}">
         <p14:creationId xmlns:p14="http://schemas.microsoft.com/office/powerpoint/2010/main" val="4135050182"/>
+      </p:ext>
+    </p:extLst>
+  </p:cSld>
+  <p:clrMapOvr>
+    <a:masterClrMapping/>
+  </p:clrMapOvr>
+</p:sld>
+</file>
+
+<file path=ppt/slides/slide16.xml><?xml version="1.0" encoding="utf-8"?>
+<p:sld xmlns:a="http://schemas.openxmlformats.org/drawingml/2006/main" xmlns:r="http://schemas.openxmlformats.org/officeDocument/2006/relationships" xmlns:p="http://schemas.openxmlformats.org/presentationml/2006/main">
+  <p:cSld>
+    <p:spTree>
+      <p:nvGrpSpPr>
+        <p:cNvPr id="1" name=""/>
+        <p:cNvGrpSpPr/>
+        <p:nvPr/>
+      </p:nvGrpSpPr>
+      <p:grpSpPr>
+        <a:xfrm>
+          <a:off x="0" y="0"/>
+          <a:ext cx="0" cy="0"/>
+          <a:chOff x="0" y="0"/>
+          <a:chExt cx="0" cy="0"/>
+        </a:xfrm>
+      </p:grpSpPr>
+      <p:sp>
+        <p:nvSpPr>
+          <p:cNvPr id="2" name="Title 1">
+            <a:extLst>
+              <a:ext uri="{FF2B5EF4-FFF2-40B4-BE49-F238E27FC236}">
+                <a16:creationId xmlns:a16="http://schemas.microsoft.com/office/drawing/2014/main" id="{A2D7BC28-15F1-1D2C-C391-1F8AC1116BCC}"/>
+              </a:ext>
+            </a:extLst>
+          </p:cNvPr>
+          <p:cNvSpPr>
+            <a:spLocks noGrp="1"/>
+          </p:cNvSpPr>
+          <p:nvPr>
+            <p:ph type="title"/>
+          </p:nvPr>
+        </p:nvSpPr>
+        <p:spPr/>
+        <p:txBody>
+          <a:bodyPr/>
+          <a:lstStyle/>
+          <a:p>
+            <a:pPr algn="ctr"/>
+            <a:r>
+              <a:rPr lang="en-US" b="1" dirty="0"/>
+              <a:t>Study Limitations </a:t>
+            </a:r>
+          </a:p>
+        </p:txBody>
+      </p:sp>
+      <p:sp>
+        <p:nvSpPr>
+          <p:cNvPr id="3" name="Content Placeholder 2">
+            <a:extLst>
+              <a:ext uri="{FF2B5EF4-FFF2-40B4-BE49-F238E27FC236}">
+                <a16:creationId xmlns:a16="http://schemas.microsoft.com/office/drawing/2014/main" id="{C5061A6D-0A7E-E937-3003-9E6C137CC941}"/>
+              </a:ext>
+            </a:extLst>
+          </p:cNvPr>
+          <p:cNvSpPr>
+            <a:spLocks noGrp="1"/>
+          </p:cNvSpPr>
+          <p:nvPr>
+            <p:ph idx="1"/>
+          </p:nvPr>
+        </p:nvSpPr>
+        <p:spPr/>
+        <p:txBody>
+          <a:bodyPr>
+            <a:normAutofit fontScale="92500" lnSpcReduction="20000"/>
+          </a:bodyPr>
+          <a:lstStyle/>
+          <a:p>
+            <a:r>
+              <a:rPr lang="en-US" dirty="0"/>
+              <a:t>A population by age study researching the effects age plays a role on sales(Census API)</a:t>
+            </a:r>
+          </a:p>
+          <a:p>
+            <a:r>
+              <a:rPr lang="en-US" dirty="0"/>
+              <a:t>Alcohol sales by type of business(restaurant, bar, club, etc.) by using the ‘Yelp API’</a:t>
+            </a:r>
+          </a:p>
+          <a:p>
+            <a:r>
+              <a:rPr lang="en-US" dirty="0"/>
+              <a:t>Line graph showing the sales per city over the 4 year period(2018-2022)</a:t>
+            </a:r>
+          </a:p>
+          <a:p>
+            <a:r>
+              <a:rPr lang="en-US" dirty="0"/>
+              <a:t>Individual sales per grouping(liquor, beer, wine) on which individual brand sold the most per city(e.g. Bud light, Miller light, Guinness) or domestic vs. imports.</a:t>
+            </a:r>
+          </a:p>
+          <a:p>
+            <a:r>
+              <a:rPr lang="en-US" dirty="0"/>
+              <a:t>What can this information be useful for if we were in the real business world</a:t>
+            </a:r>
+          </a:p>
+          <a:p>
+            <a:r>
+              <a:rPr lang="en-US" dirty="0"/>
+              <a:t>Trends as far as Holidays / Special Events go for Alcohol Sales increases or decreases</a:t>
+            </a:r>
+          </a:p>
+          <a:p>
+            <a:endParaRPr lang="en-US" dirty="0"/>
+          </a:p>
+        </p:txBody>
+      </p:sp>
+    </p:spTree>
+    <p:extLst>
+      <p:ext uri="{BB962C8B-B14F-4D97-AF65-F5344CB8AC3E}">
+        <p14:creationId xmlns:p14="http://schemas.microsoft.com/office/powerpoint/2010/main" val="980400306"/>
       </p:ext>
     </p:extLst>
   </p:cSld>
@@ -5075,7 +5487,7 @@
       </p:grpSpPr>
       <p:sp>
         <p:nvSpPr>
-          <p:cNvPr id="14" name="Rectangle 13">
+          <p:cNvPr id="10" name="Rectangle 9">
             <a:extLst>
               <a:ext uri="{FF2B5EF4-FFF2-40B4-BE49-F238E27FC236}">
                 <a16:creationId xmlns:a16="http://schemas.microsoft.com/office/drawing/2014/main" id="{6753252F-4873-4F63-801D-CC719279A7D5}"/>
@@ -5138,7 +5550,7 @@
       </p:sp>
       <p:sp>
         <p:nvSpPr>
-          <p:cNvPr id="16" name="Rectangle 15">
+          <p:cNvPr id="12" name="Rectangle 11">
             <a:extLst>
               <a:ext uri="{FF2B5EF4-FFF2-40B4-BE49-F238E27FC236}">
                 <a16:creationId xmlns:a16="http://schemas.microsoft.com/office/drawing/2014/main" id="{047C8CCB-F95D-4249-92DD-651249D3535A}"/>
@@ -5204,7 +5616,7 @@
           <p:cNvPr id="2" name="Title 1">
             <a:extLst>
               <a:ext uri="{FF2B5EF4-FFF2-40B4-BE49-F238E27FC236}">
-                <a16:creationId xmlns:a16="http://schemas.microsoft.com/office/drawing/2014/main" id="{B6BED909-4BB0-31A6-42CE-070F0030769B}"/>
+                <a16:creationId xmlns:a16="http://schemas.microsoft.com/office/drawing/2014/main" id="{10F2578F-02E3-0CD7-7809-FB3BFD28AD01}"/>
               </a:ext>
             </a:extLst>
           </p:cNvPr>
@@ -5240,7 +5652,7 @@
           <a:p>
             <a:pPr algn="ctr"/>
             <a:r>
-              <a:rPr lang="en-US" sz="2600" kern="1200" dirty="0">
+              <a:rPr lang="en-US" sz="2600" kern="1200">
                 <a:solidFill>
                   <a:srgbClr val="FFFFFF"/>
                 </a:solidFill>
@@ -5255,10 +5667,10 @@
       </p:sp>
       <p:pic>
         <p:nvPicPr>
-          <p:cNvPr id="9" name="Content Placeholder 8" descr="Chart, pie chart&#10;&#10;Description automatically generated">
-            <a:extLst>
-              <a:ext uri="{FF2B5EF4-FFF2-40B4-BE49-F238E27FC236}">
-                <a16:creationId xmlns:a16="http://schemas.microsoft.com/office/drawing/2014/main" id="{BC0A7FEF-9A42-78CC-546C-7D8B351D90E8}"/>
+          <p:cNvPr id="5" name="Content Placeholder 4" descr="Chart&#10;&#10;Description automatically generated with medium confidence">
+            <a:extLst>
+              <a:ext uri="{FF2B5EF4-FFF2-40B4-BE49-F238E27FC236}">
+                <a16:creationId xmlns:a16="http://schemas.microsoft.com/office/drawing/2014/main" id="{465FBC72-42A3-81FE-7FF8-48B2EEC5C77F}"/>
               </a:ext>
             </a:extLst>
           </p:cNvPr>
@@ -5277,8 +5689,8 @@
         </p:blipFill>
         <p:spPr>
           <a:xfrm>
-            <a:off x="4032514" y="322264"/>
-            <a:ext cx="6535736" cy="6535736"/>
+            <a:off x="3609975" y="1371600"/>
+            <a:ext cx="8962812" cy="4481404"/>
           </a:xfrm>
           <a:prstGeom prst="rect">
             <a:avLst/>
@@ -5288,7 +5700,7 @@
     </p:spTree>
     <p:extLst>
       <p:ext uri="{BB962C8B-B14F-4D97-AF65-F5344CB8AC3E}">
-        <p14:creationId xmlns:p14="http://schemas.microsoft.com/office/powerpoint/2010/main" val="3065694527"/>
+        <p14:creationId xmlns:p14="http://schemas.microsoft.com/office/powerpoint/2010/main" val="203522030"/>
       </p:ext>
     </p:extLst>
   </p:cSld>
@@ -5325,7 +5737,7 @@
       </p:grpSpPr>
       <p:sp>
         <p:nvSpPr>
-          <p:cNvPr id="10" name="Rectangle 9">
+          <p:cNvPr id="14" name="Rectangle 13">
             <a:extLst>
               <a:ext uri="{FF2B5EF4-FFF2-40B4-BE49-F238E27FC236}">
                 <a16:creationId xmlns:a16="http://schemas.microsoft.com/office/drawing/2014/main" id="{6753252F-4873-4F63-801D-CC719279A7D5}"/>
@@ -5388,7 +5800,7 @@
       </p:sp>
       <p:sp>
         <p:nvSpPr>
-          <p:cNvPr id="12" name="Rectangle 11">
+          <p:cNvPr id="16" name="Rectangle 15">
             <a:extLst>
               <a:ext uri="{FF2B5EF4-FFF2-40B4-BE49-F238E27FC236}">
                 <a16:creationId xmlns:a16="http://schemas.microsoft.com/office/drawing/2014/main" id="{047C8CCB-F95D-4249-92DD-651249D3535A}"/>
@@ -5454,7 +5866,7 @@
           <p:cNvPr id="2" name="Title 1">
             <a:extLst>
               <a:ext uri="{FF2B5EF4-FFF2-40B4-BE49-F238E27FC236}">
-                <a16:creationId xmlns:a16="http://schemas.microsoft.com/office/drawing/2014/main" id="{10F2578F-02E3-0CD7-7809-FB3BFD28AD01}"/>
+                <a16:creationId xmlns:a16="http://schemas.microsoft.com/office/drawing/2014/main" id="{B6BED909-4BB0-31A6-42CE-070F0030769B}"/>
               </a:ext>
             </a:extLst>
           </p:cNvPr>
@@ -5490,7 +5902,7 @@
           <a:p>
             <a:pPr algn="ctr"/>
             <a:r>
-              <a:rPr lang="en-US" sz="2600" kern="1200">
+              <a:rPr lang="en-US" sz="2600" kern="1200" dirty="0">
                 <a:solidFill>
                   <a:srgbClr val="FFFFFF"/>
                 </a:solidFill>
@@ -5505,10 +5917,10 @@
       </p:sp>
       <p:pic>
         <p:nvPicPr>
-          <p:cNvPr id="5" name="Content Placeholder 4" descr="Chart&#10;&#10;Description automatically generated with medium confidence">
-            <a:extLst>
-              <a:ext uri="{FF2B5EF4-FFF2-40B4-BE49-F238E27FC236}">
-                <a16:creationId xmlns:a16="http://schemas.microsoft.com/office/drawing/2014/main" id="{465FBC72-42A3-81FE-7FF8-48B2EEC5C77F}"/>
+          <p:cNvPr id="9" name="Content Placeholder 8">
+            <a:extLst>
+              <a:ext uri="{FF2B5EF4-FFF2-40B4-BE49-F238E27FC236}">
+                <a16:creationId xmlns:a16="http://schemas.microsoft.com/office/drawing/2014/main" id="{BC0A7FEF-9A42-78CC-546C-7D8B351D90E8}"/>
               </a:ext>
             </a:extLst>
           </p:cNvPr>
@@ -5521,14 +5933,13 @@
         </p:nvPicPr>
         <p:blipFill>
           <a:blip r:embed="rId2"/>
-          <a:stretch>
-            <a:fillRect/>
-          </a:stretch>
+          <a:srcRect/>
+          <a:stretch/>
         </p:blipFill>
         <p:spPr>
           <a:xfrm>
-            <a:off x="3609975" y="1371600"/>
-            <a:ext cx="8962812" cy="4481404"/>
+            <a:off x="4032514" y="322264"/>
+            <a:ext cx="6535736" cy="6535736"/>
           </a:xfrm>
           <a:prstGeom prst="rect">
             <a:avLst/>
@@ -5538,7 +5949,7 @@
     </p:spTree>
     <p:extLst>
       <p:ext uri="{BB962C8B-B14F-4D97-AF65-F5344CB8AC3E}">
-        <p14:creationId xmlns:p14="http://schemas.microsoft.com/office/powerpoint/2010/main" val="203522030"/>
+        <p14:creationId xmlns:p14="http://schemas.microsoft.com/office/powerpoint/2010/main" val="3065694527"/>
       </p:ext>
     </p:extLst>
   </p:cSld>
@@ -5801,14 +6212,6 @@
 <file path=ppt/slides/slide6.xml><?xml version="1.0" encoding="utf-8"?>
 <p:sld xmlns:a="http://schemas.openxmlformats.org/drawingml/2006/main" xmlns:r="http://schemas.openxmlformats.org/officeDocument/2006/relationships" xmlns:p="http://schemas.openxmlformats.org/presentationml/2006/main">
   <p:cSld>
-    <p:bg>
-      <p:bgPr>
-        <a:solidFill>
-          <a:schemeClr val="bg1"/>
-        </a:solidFill>
-        <a:effectLst/>
-      </p:bgPr>
-    </p:bg>
     <p:spTree>
       <p:nvGrpSpPr>
         <p:cNvPr id="1" name=""/>
@@ -5825,253 +6228,37 @@
       </p:grpSpPr>
       <p:pic>
         <p:nvPicPr>
-          <p:cNvPr id="5" name="Picture 4" descr="A heap of used corks">
-            <a:extLst>
-              <a:ext uri="{FF2B5EF4-FFF2-40B4-BE49-F238E27FC236}">
-                <a16:creationId xmlns:a16="http://schemas.microsoft.com/office/drawing/2014/main" id="{8D333827-822B-49CB-E1A5-92B98D27C21D}"/>
+          <p:cNvPr id="13" name="Content Placeholder 12" descr="Graphical user interface, application&#10;&#10;Description automatically generated">
+            <a:extLst>
+              <a:ext uri="{FF2B5EF4-FFF2-40B4-BE49-F238E27FC236}">
+                <a16:creationId xmlns:a16="http://schemas.microsoft.com/office/drawing/2014/main" id="{9F7F7092-D770-5AAD-B6AA-F376C1159A62}"/>
               </a:ext>
             </a:extLst>
           </p:cNvPr>
           <p:cNvPicPr>
-            <a:picLocks noChangeAspect="1"/>
+            <a:picLocks noGrp="1" noChangeAspect="1"/>
           </p:cNvPicPr>
-          <p:nvPr/>
+          <p:nvPr>
+            <p:ph idx="1"/>
+          </p:nvPr>
         </p:nvPicPr>
-        <p:blipFill rotWithShape="1">
+        <p:blipFill>
           <a:blip r:embed="rId2"/>
-          <a:srcRect t="6195" b="9535"/>
-          <a:stretch/>
+          <a:stretch>
+            <a:fillRect/>
+          </a:stretch>
         </p:blipFill>
         <p:spPr>
           <a:xfrm>
-            <a:off x="20" y="10"/>
-            <a:ext cx="12191980" cy="6857990"/>
-          </a:xfrm>
-          <a:prstGeom prst="rect">
-            <a:avLst/>
-          </a:prstGeom>
+            <a:off x="1342361" y="1962659"/>
+            <a:ext cx="9507277" cy="4077269"/>
+          </a:xfrm>
         </p:spPr>
       </p:pic>
-      <p:sp>
-        <p:nvSpPr>
-          <p:cNvPr id="9" name="Rectangle 8">
-            <a:extLst>
-              <a:ext uri="{FF2B5EF4-FFF2-40B4-BE49-F238E27FC236}">
-                <a16:creationId xmlns:a16="http://schemas.microsoft.com/office/drawing/2014/main" id="{37C89E4B-3C9F-44B9-8B86-D9E3D112D8EC}"/>
-              </a:ext>
-              <a:ext uri="{C183D7F6-B498-43B3-948B-1728B52AA6E4}">
-                <adec:decorative xmlns:adec="http://schemas.microsoft.com/office/drawing/2017/decorative" val="1"/>
-              </a:ext>
-            </a:extLst>
-          </p:cNvPr>
-          <p:cNvSpPr>
-            <a:spLocks noGrp="1" noRot="1" noChangeAspect="1" noMove="1" noResize="1" noEditPoints="1" noAdjustHandles="1" noChangeArrowheads="1" noChangeShapeType="1" noTextEdit="1"/>
-          </p:cNvSpPr>
-          <p:nvPr>
-            <p:extLst>
-              <p:ext uri="{386F3935-93C4-4BCD-93E2-E3B085C9AB24}">
-                <p16:designElem xmlns:p16="http://schemas.microsoft.com/office/powerpoint/2015/main" val="1"/>
-              </p:ext>
-            </p:extLst>
-          </p:nvPr>
-        </p:nvSpPr>
-        <p:spPr>
-          <a:xfrm>
-            <a:off x="0" y="5320142"/>
-            <a:ext cx="12192000" cy="736551"/>
-          </a:xfrm>
-          <a:prstGeom prst="rect">
-            <a:avLst/>
-          </a:prstGeom>
-          <a:solidFill>
-            <a:schemeClr val="bg1">
-              <a:alpha val="93000"/>
-            </a:schemeClr>
-          </a:solidFill>
-          <a:ln>
-            <a:noFill/>
-          </a:ln>
-        </p:spPr>
-        <p:style>
-          <a:lnRef idx="2">
-            <a:schemeClr val="accent1">
-              <a:shade val="50000"/>
-            </a:schemeClr>
-          </a:lnRef>
-          <a:fillRef idx="1">
-            <a:schemeClr val="accent1"/>
-          </a:fillRef>
-          <a:effectRef idx="0">
-            <a:schemeClr val="accent1"/>
-          </a:effectRef>
-          <a:fontRef idx="minor">
-            <a:schemeClr val="lt1"/>
-          </a:fontRef>
-        </p:style>
-        <p:txBody>
-          <a:bodyPr rtlCol="0" anchor="ctr"/>
-          <a:lstStyle/>
-          <a:p>
-            <a:pPr algn="ctr"/>
-            <a:endParaRPr lang="en-US"/>
-          </a:p>
-        </p:txBody>
-      </p:sp>
-      <p:sp>
-        <p:nvSpPr>
-          <p:cNvPr id="2" name="Title 1">
-            <a:extLst>
-              <a:ext uri="{FF2B5EF4-FFF2-40B4-BE49-F238E27FC236}">
-                <a16:creationId xmlns:a16="http://schemas.microsoft.com/office/drawing/2014/main" id="{523A2A96-948C-49DA-0FA2-9CB6CEE85625}"/>
-              </a:ext>
-            </a:extLst>
-          </p:cNvPr>
-          <p:cNvSpPr>
-            <a:spLocks noGrp="1"/>
-          </p:cNvSpPr>
-          <p:nvPr>
-            <p:ph type="title"/>
-          </p:nvPr>
-        </p:nvSpPr>
-        <p:spPr>
-          <a:xfrm>
-            <a:off x="523875" y="5317240"/>
-            <a:ext cx="11210925" cy="744836"/>
-          </a:xfrm>
-        </p:spPr>
-        <p:txBody>
-          <a:bodyPr vert="horz" lIns="91440" tIns="45720" rIns="91440" bIns="45720" rtlCol="0" anchor="ctr">
-            <a:normAutofit/>
-          </a:bodyPr>
-          <a:lstStyle/>
-          <a:p>
-            <a:pPr algn="ctr"/>
-            <a:r>
-              <a:rPr lang="en-US" sz="3600" dirty="0">
-                <a:solidFill>
-                  <a:schemeClr val="tx1">
-                    <a:lumMod val="85000"/>
-                    <a:lumOff val="15000"/>
-                  </a:schemeClr>
-                </a:solidFill>
-              </a:rPr>
-              <a:t>Wine Sales</a:t>
-            </a:r>
-          </a:p>
-        </p:txBody>
-      </p:sp>
-      <p:cxnSp>
-        <p:nvCxnSpPr>
-          <p:cNvPr id="11" name="Straight Connector 10">
-            <a:extLst>
-              <a:ext uri="{FF2B5EF4-FFF2-40B4-BE49-F238E27FC236}">
-                <a16:creationId xmlns:a16="http://schemas.microsoft.com/office/drawing/2014/main" id="{AA2EAA10-076F-46BD-8F0F-B9A2FB77A85C}"/>
-              </a:ext>
-              <a:ext uri="{C183D7F6-B498-43B3-948B-1728B52AA6E4}">
-                <adec:decorative xmlns:adec="http://schemas.microsoft.com/office/drawing/2017/decorative" val="1"/>
-              </a:ext>
-            </a:extLst>
-          </p:cNvPr>
-          <p:cNvCxnSpPr>
-            <a:cxnSpLocks noGrp="1" noRot="1" noChangeAspect="1" noMove="1" noResize="1" noEditPoints="1" noAdjustHandles="1" noChangeArrowheads="1" noChangeShapeType="1"/>
-          </p:cNvCxnSpPr>
-          <p:nvPr>
-            <p:extLst>
-              <p:ext uri="{386F3935-93C4-4BCD-93E2-E3B085C9AB24}">
-                <p16:designElem xmlns:p16="http://schemas.microsoft.com/office/powerpoint/2015/main" val="1"/>
-              </p:ext>
-            </p:extLst>
-          </p:nvPr>
-        </p:nvCxnSpPr>
-        <p:spPr>
-          <a:xfrm>
-            <a:off x="0" y="5241983"/>
-            <a:ext cx="12192000" cy="0"/>
-          </a:xfrm>
-          <a:prstGeom prst="line">
-            <a:avLst/>
-          </a:prstGeom>
-          <a:ln w="41275">
-            <a:solidFill>
-              <a:schemeClr val="bg1">
-                <a:alpha val="90000"/>
-              </a:schemeClr>
-            </a:solidFill>
-          </a:ln>
-        </p:spPr>
-        <p:style>
-          <a:lnRef idx="1">
-            <a:schemeClr val="accent1"/>
-          </a:lnRef>
-          <a:fillRef idx="0">
-            <a:schemeClr val="accent1"/>
-          </a:fillRef>
-          <a:effectRef idx="0">
-            <a:schemeClr val="accent1"/>
-          </a:effectRef>
-          <a:fontRef idx="minor">
-            <a:schemeClr val="tx1"/>
-          </a:fontRef>
-        </p:style>
-      </p:cxnSp>
-      <p:cxnSp>
-        <p:nvCxnSpPr>
-          <p:cNvPr id="13" name="Straight Connector 12">
-            <a:extLst>
-              <a:ext uri="{FF2B5EF4-FFF2-40B4-BE49-F238E27FC236}">
-                <a16:creationId xmlns:a16="http://schemas.microsoft.com/office/drawing/2014/main" id="{D891E407-403B-4764-86C9-33A56D3BCAA3}"/>
-              </a:ext>
-              <a:ext uri="{C183D7F6-B498-43B3-948B-1728B52AA6E4}">
-                <adec:decorative xmlns:adec="http://schemas.microsoft.com/office/drawing/2017/decorative" val="1"/>
-              </a:ext>
-            </a:extLst>
-          </p:cNvPr>
-          <p:cNvCxnSpPr>
-            <a:cxnSpLocks noGrp="1" noRot="1" noChangeAspect="1" noMove="1" noResize="1" noEditPoints="1" noAdjustHandles="1" noChangeArrowheads="1" noChangeShapeType="1"/>
-          </p:cNvCxnSpPr>
-          <p:nvPr>
-            <p:extLst>
-              <p:ext uri="{386F3935-93C4-4BCD-93E2-E3B085C9AB24}">
-                <p16:designElem xmlns:p16="http://schemas.microsoft.com/office/powerpoint/2015/main" val="1"/>
-              </p:ext>
-            </p:extLst>
-          </p:nvPr>
-        </p:nvCxnSpPr>
-        <p:spPr>
-          <a:xfrm>
-            <a:off x="0" y="6134852"/>
-            <a:ext cx="12192000" cy="0"/>
-          </a:xfrm>
-          <a:prstGeom prst="line">
-            <a:avLst/>
-          </a:prstGeom>
-          <a:ln w="41275">
-            <a:solidFill>
-              <a:schemeClr val="bg1">
-                <a:alpha val="90000"/>
-              </a:schemeClr>
-            </a:solidFill>
-          </a:ln>
-        </p:spPr>
-        <p:style>
-          <a:lnRef idx="1">
-            <a:schemeClr val="accent1"/>
-          </a:lnRef>
-          <a:fillRef idx="0">
-            <a:schemeClr val="accent1"/>
-          </a:fillRef>
-          <a:effectRef idx="0">
-            <a:schemeClr val="accent1"/>
-          </a:effectRef>
-          <a:fontRef idx="minor">
-            <a:schemeClr val="tx1"/>
-          </a:fontRef>
-        </p:style>
-      </p:cxnSp>
     </p:spTree>
     <p:extLst>
       <p:ext uri="{BB962C8B-B14F-4D97-AF65-F5344CB8AC3E}">
-        <p14:creationId xmlns:p14="http://schemas.microsoft.com/office/powerpoint/2010/main" val="1553503859"/>
+        <p14:creationId xmlns:p14="http://schemas.microsoft.com/office/powerpoint/2010/main" val="2698580996"/>
       </p:ext>
     </p:extLst>
   </p:cSld>
@@ -6106,12 +6293,41 @@
           <a:chExt cx="0" cy="0"/>
         </a:xfrm>
       </p:grpSpPr>
-      <p:sp>
-        <p:nvSpPr>
-          <p:cNvPr id="10" name="Rectangle 9">
-            <a:extLst>
-              <a:ext uri="{FF2B5EF4-FFF2-40B4-BE49-F238E27FC236}">
-                <a16:creationId xmlns:a16="http://schemas.microsoft.com/office/drawing/2014/main" id="{6753252F-4873-4F63-801D-CC719279A7D5}"/>
+      <p:pic>
+        <p:nvPicPr>
+          <p:cNvPr id="5" name="Picture 4" descr="A heap of used corks">
+            <a:extLst>
+              <a:ext uri="{FF2B5EF4-FFF2-40B4-BE49-F238E27FC236}">
+                <a16:creationId xmlns:a16="http://schemas.microsoft.com/office/drawing/2014/main" id="{8D333827-822B-49CB-E1A5-92B98D27C21D}"/>
+              </a:ext>
+            </a:extLst>
+          </p:cNvPr>
+          <p:cNvPicPr>
+            <a:picLocks noChangeAspect="1"/>
+          </p:cNvPicPr>
+          <p:nvPr/>
+        </p:nvPicPr>
+        <p:blipFill rotWithShape="1">
+          <a:blip r:embed="rId2"/>
+          <a:srcRect t="6195" b="9535"/>
+          <a:stretch/>
+        </p:blipFill>
+        <p:spPr>
+          <a:xfrm>
+            <a:off x="20" y="10"/>
+            <a:ext cx="12191980" cy="6857990"/>
+          </a:xfrm>
+          <a:prstGeom prst="rect">
+            <a:avLst/>
+          </a:prstGeom>
+        </p:spPr>
+      </p:pic>
+      <p:sp>
+        <p:nvSpPr>
+          <p:cNvPr id="9" name="Rectangle 8">
+            <a:extLst>
+              <a:ext uri="{FF2B5EF4-FFF2-40B4-BE49-F238E27FC236}">
+                <a16:creationId xmlns:a16="http://schemas.microsoft.com/office/drawing/2014/main" id="{37C89E4B-3C9F-44B9-8B86-D9E3D112D8EC}"/>
               </a:ext>
               <a:ext uri="{C183D7F6-B498-43B3-948B-1728B52AA6E4}">
                 <adec:decorative xmlns:adec="http://schemas.microsoft.com/office/drawing/2017/decorative" val="1"/>
@@ -6131,14 +6347,16 @@
         </p:nvSpPr>
         <p:spPr>
           <a:xfrm>
-            <a:off x="0" y="0"/>
-            <a:ext cx="12192000" cy="6858000"/>
+            <a:off x="0" y="5320142"/>
+            <a:ext cx="12192000" cy="736551"/>
           </a:xfrm>
           <a:prstGeom prst="rect">
             <a:avLst/>
           </a:prstGeom>
           <a:solidFill>
-            <a:srgbClr val="FFFFFF"/>
+            <a:schemeClr val="bg1">
+              <a:alpha val="93000"/>
+            </a:schemeClr>
           </a:solidFill>
           <a:ln>
             <a:noFill/>
@@ -6171,19 +6389,62 @@
       </p:sp>
       <p:sp>
         <p:nvSpPr>
-          <p:cNvPr id="12" name="Rectangle 11">
-            <a:extLst>
-              <a:ext uri="{FF2B5EF4-FFF2-40B4-BE49-F238E27FC236}">
-                <a16:creationId xmlns:a16="http://schemas.microsoft.com/office/drawing/2014/main" id="{047C8CCB-F95D-4249-92DD-651249D3535A}"/>
+          <p:cNvPr id="2" name="Title 1">
+            <a:extLst>
+              <a:ext uri="{FF2B5EF4-FFF2-40B4-BE49-F238E27FC236}">
+                <a16:creationId xmlns:a16="http://schemas.microsoft.com/office/drawing/2014/main" id="{523A2A96-948C-49DA-0FA2-9CB6CEE85625}"/>
+              </a:ext>
+            </a:extLst>
+          </p:cNvPr>
+          <p:cNvSpPr>
+            <a:spLocks noGrp="1"/>
+          </p:cNvSpPr>
+          <p:nvPr>
+            <p:ph type="title"/>
+          </p:nvPr>
+        </p:nvSpPr>
+        <p:spPr>
+          <a:xfrm>
+            <a:off x="523875" y="5317240"/>
+            <a:ext cx="11210925" cy="744836"/>
+          </a:xfrm>
+        </p:spPr>
+        <p:txBody>
+          <a:bodyPr vert="horz" lIns="91440" tIns="45720" rIns="91440" bIns="45720" rtlCol="0" anchor="ctr">
+            <a:normAutofit/>
+          </a:bodyPr>
+          <a:lstStyle/>
+          <a:p>
+            <a:pPr algn="ctr"/>
+            <a:r>
+              <a:rPr lang="en-US" sz="3600" dirty="0">
+                <a:solidFill>
+                  <a:schemeClr val="tx1">
+                    <a:lumMod val="85000"/>
+                    <a:lumOff val="15000"/>
+                  </a:schemeClr>
+                </a:solidFill>
+              </a:rPr>
+              <a:t>Wine Sales</a:t>
+            </a:r>
+          </a:p>
+        </p:txBody>
+      </p:sp>
+      <p:cxnSp>
+        <p:nvCxnSpPr>
+          <p:cNvPr id="11" name="Straight Connector 10">
+            <a:extLst>
+              <a:ext uri="{FF2B5EF4-FFF2-40B4-BE49-F238E27FC236}">
+                <a16:creationId xmlns:a16="http://schemas.microsoft.com/office/drawing/2014/main" id="{AA2EAA10-076F-46BD-8F0F-B9A2FB77A85C}"/>
               </a:ext>
               <a:ext uri="{C183D7F6-B498-43B3-948B-1728B52AA6E4}">
                 <adec:decorative xmlns:adec="http://schemas.microsoft.com/office/drawing/2017/decorative" val="1"/>
               </a:ext>
             </a:extLst>
           </p:cNvPr>
-          <p:cNvSpPr>
-            <a:spLocks noGrp="1" noRot="1" noChangeAspect="1" noMove="1" noResize="1" noEditPoints="1" noAdjustHandles="1" noChangeArrowheads="1" noChangeShapeType="1" noTextEdit="1"/>
-          </p:cNvSpPr>
+          <p:cNvCxnSpPr>
+            <a:cxnSpLocks noGrp="1" noRot="1" noChangeAspect="1" noMove="1" noResize="1" noEditPoints="1" noAdjustHandles="1" noChangeArrowheads="1" noChangeShapeType="1"/>
+          </p:cNvCxnSpPr>
           <p:nvPr>
             <p:extLst>
               <p:ext uri="{386F3935-93C4-4BCD-93E2-E3B085C9AB24}">
@@ -6191,137 +6452,96 @@
               </p:ext>
             </p:extLst>
           </p:nvPr>
-        </p:nvSpPr>
-        <p:spPr>
-          <a:xfrm>
-            <a:off x="0" y="0"/>
-            <a:ext cx="2013557" cy="6858000"/>
-          </a:xfrm>
-          <a:prstGeom prst="rect">
+        </p:nvCxnSpPr>
+        <p:spPr>
+          <a:xfrm>
+            <a:off x="0" y="5241983"/>
+            <a:ext cx="12192000" cy="0"/>
+          </a:xfrm>
+          <a:prstGeom prst="line">
             <a:avLst/>
           </a:prstGeom>
-          <a:solidFill>
-            <a:srgbClr val="7F7F7F"/>
-          </a:solidFill>
-          <a:ln>
-            <a:noFill/>
+          <a:ln w="41275">
+            <a:solidFill>
+              <a:schemeClr val="bg1">
+                <a:alpha val="90000"/>
+              </a:schemeClr>
+            </a:solidFill>
           </a:ln>
         </p:spPr>
         <p:style>
-          <a:lnRef idx="2">
-            <a:schemeClr val="accent1">
-              <a:shade val="50000"/>
-            </a:schemeClr>
+          <a:lnRef idx="1">
+            <a:schemeClr val="accent1"/>
           </a:lnRef>
-          <a:fillRef idx="1">
+          <a:fillRef idx="0">
             <a:schemeClr val="accent1"/>
           </a:fillRef>
           <a:effectRef idx="0">
             <a:schemeClr val="accent1"/>
           </a:effectRef>
           <a:fontRef idx="minor">
-            <a:schemeClr val="lt1"/>
+            <a:schemeClr val="tx1"/>
           </a:fontRef>
         </p:style>
-        <p:txBody>
-          <a:bodyPr rtlCol="0" anchor="ctr"/>
-          <a:lstStyle/>
-          <a:p>
-            <a:pPr algn="ctr"/>
-            <a:endParaRPr lang="en-US"/>
-          </a:p>
-        </p:txBody>
-      </p:sp>
-      <p:sp>
-        <p:nvSpPr>
-          <p:cNvPr id="2" name="Title 1">
-            <a:extLst>
-              <a:ext uri="{FF2B5EF4-FFF2-40B4-BE49-F238E27FC236}">
-                <a16:creationId xmlns:a16="http://schemas.microsoft.com/office/drawing/2014/main" id="{D5FD821C-BFC4-BBDC-5F1F-3D5A89D3BA6F}"/>
-              </a:ext>
-            </a:extLst>
-          </p:cNvPr>
-          <p:cNvSpPr>
-            <a:spLocks noGrp="1"/>
-          </p:cNvSpPr>
-          <p:nvPr>
-            <p:ph type="title"/>
-          </p:nvPr>
-        </p:nvSpPr>
-        <p:spPr>
-          <a:xfrm>
-            <a:off x="640080" y="2074363"/>
-            <a:ext cx="2752354" cy="2709275"/>
-          </a:xfrm>
-          <a:prstGeom prst="ellipse">
+      </p:cxnSp>
+      <p:cxnSp>
+        <p:nvCxnSpPr>
+          <p:cNvPr id="13" name="Straight Connector 12">
+            <a:extLst>
+              <a:ext uri="{FF2B5EF4-FFF2-40B4-BE49-F238E27FC236}">
+                <a16:creationId xmlns:a16="http://schemas.microsoft.com/office/drawing/2014/main" id="{D891E407-403B-4764-86C9-33A56D3BCAA3}"/>
+              </a:ext>
+              <a:ext uri="{C183D7F6-B498-43B3-948B-1728B52AA6E4}">
+                <adec:decorative xmlns:adec="http://schemas.microsoft.com/office/drawing/2017/decorative" val="1"/>
+              </a:ext>
+            </a:extLst>
+          </p:cNvPr>
+          <p:cNvCxnSpPr>
+            <a:cxnSpLocks noGrp="1" noRot="1" noChangeAspect="1" noMove="1" noResize="1" noEditPoints="1" noAdjustHandles="1" noChangeArrowheads="1" noChangeShapeType="1"/>
+          </p:cNvCxnSpPr>
+          <p:nvPr>
+            <p:extLst>
+              <p:ext uri="{386F3935-93C4-4BCD-93E2-E3B085C9AB24}">
+                <p16:designElem xmlns:p16="http://schemas.microsoft.com/office/powerpoint/2015/main" val="1"/>
+              </p:ext>
+            </p:extLst>
+          </p:nvPr>
+        </p:nvCxnSpPr>
+        <p:spPr>
+          <a:xfrm>
+            <a:off x="0" y="6134852"/>
+            <a:ext cx="12192000" cy="0"/>
+          </a:xfrm>
+          <a:prstGeom prst="line">
             <a:avLst/>
           </a:prstGeom>
-          <a:solidFill>
-            <a:srgbClr val="262626"/>
-          </a:solidFill>
-          <a:ln w="174625" cmpd="thinThick">
+          <a:ln w="41275">
             <a:solidFill>
-              <a:srgbClr val="262626"/>
+              <a:schemeClr val="bg1">
+                <a:alpha val="90000"/>
+              </a:schemeClr>
             </a:solidFill>
           </a:ln>
         </p:spPr>
-        <p:txBody>
-          <a:bodyPr vert="horz" lIns="91440" tIns="45720" rIns="91440" bIns="45720" rtlCol="0" anchor="ctr">
-            <a:normAutofit/>
-          </a:bodyPr>
-          <a:lstStyle/>
-          <a:p>
-            <a:pPr algn="ctr"/>
-            <a:r>
-              <a:rPr lang="en-US" sz="2600" kern="1200">
-                <a:solidFill>
-                  <a:srgbClr val="FFFFFF"/>
-                </a:solidFill>
-                <a:latin typeface="+mj-lt"/>
-                <a:ea typeface="+mj-ea"/>
-                <a:cs typeface="+mj-cs"/>
-              </a:rPr>
-              <a:t>Wine Sales By City</a:t>
-            </a:r>
-          </a:p>
-        </p:txBody>
-      </p:sp>
-      <p:pic>
-        <p:nvPicPr>
-          <p:cNvPr id="5" name="Content Placeholder 4" descr="Chart, pie chart&#10;&#10;Description automatically generated">
-            <a:extLst>
-              <a:ext uri="{FF2B5EF4-FFF2-40B4-BE49-F238E27FC236}">
-                <a16:creationId xmlns:a16="http://schemas.microsoft.com/office/drawing/2014/main" id="{9EF6EE09-7C9D-049F-7728-A8B27B00E288}"/>
-              </a:ext>
-            </a:extLst>
-          </p:cNvPr>
-          <p:cNvPicPr>
-            <a:picLocks noGrp="1" noChangeAspect="1"/>
-          </p:cNvPicPr>
-          <p:nvPr>
-            <p:ph idx="1"/>
-          </p:nvPr>
-        </p:nvPicPr>
-        <p:blipFill>
-          <a:blip r:embed="rId2"/>
-          <a:stretch>
-            <a:fillRect/>
-          </a:stretch>
-        </p:blipFill>
-        <p:spPr>
-          <a:xfrm>
-            <a:off x="4032514" y="482601"/>
-            <a:ext cx="6375399" cy="6375399"/>
-          </a:xfrm>
-          <a:prstGeom prst="rect">
-            <a:avLst/>
-          </a:prstGeom>
-        </p:spPr>
-      </p:pic>
+        <p:style>
+          <a:lnRef idx="1">
+            <a:schemeClr val="accent1"/>
+          </a:lnRef>
+          <a:fillRef idx="0">
+            <a:schemeClr val="accent1"/>
+          </a:fillRef>
+          <a:effectRef idx="0">
+            <a:schemeClr val="accent1"/>
+          </a:effectRef>
+          <a:fontRef idx="minor">
+            <a:schemeClr val="tx1"/>
+          </a:fontRef>
+        </p:style>
+      </p:cxnSp>
     </p:spTree>
     <p:extLst>
       <p:ext uri="{BB962C8B-B14F-4D97-AF65-F5344CB8AC3E}">
-        <p14:creationId xmlns:p14="http://schemas.microsoft.com/office/powerpoint/2010/main" val="503466689"/>
+        <p14:creationId xmlns:p14="http://schemas.microsoft.com/office/powerpoint/2010/main" val="1553503859"/>
       </p:ext>
     </p:extLst>
   </p:cSld>
@@ -6487,7 +6707,7 @@
           <p:cNvPr id="2" name="Title 1">
             <a:extLst>
               <a:ext uri="{FF2B5EF4-FFF2-40B4-BE49-F238E27FC236}">
-                <a16:creationId xmlns:a16="http://schemas.microsoft.com/office/drawing/2014/main" id="{596AC4CB-FFF4-A080-C667-1C8E5AF814DC}"/>
+                <a16:creationId xmlns:a16="http://schemas.microsoft.com/office/drawing/2014/main" id="{D5FD821C-BFC4-BBDC-5F1F-3D5A89D3BA6F}"/>
               </a:ext>
             </a:extLst>
           </p:cNvPr>
@@ -6500,7 +6720,7 @@
         </p:nvSpPr>
         <p:spPr>
           <a:xfrm>
-            <a:off x="468630" y="2074362"/>
+            <a:off x="640080" y="2074363"/>
             <a:ext cx="2752354" cy="2709275"/>
           </a:xfrm>
           <a:prstGeom prst="ellipse">
@@ -6523,7 +6743,7 @@
           <a:p>
             <a:pPr algn="ctr"/>
             <a:r>
-              <a:rPr lang="en-US" sz="2600" kern="1200" dirty="0">
+              <a:rPr lang="en-US" sz="2600" kern="1200">
                 <a:solidFill>
                   <a:srgbClr val="FFFFFF"/>
                 </a:solidFill>
@@ -6531,17 +6751,17 @@
                 <a:ea typeface="+mj-ea"/>
                 <a:cs typeface="+mj-cs"/>
               </a:rPr>
-              <a:t>Wine Sales By Business</a:t>
+              <a:t>Wine Sales By City</a:t>
             </a:r>
           </a:p>
         </p:txBody>
       </p:sp>
       <p:pic>
         <p:nvPicPr>
-          <p:cNvPr id="9" name="Content Placeholder 8" descr="Chart&#10;&#10;Description automatically generated">
-            <a:extLst>
-              <a:ext uri="{FF2B5EF4-FFF2-40B4-BE49-F238E27FC236}">
-                <a16:creationId xmlns:a16="http://schemas.microsoft.com/office/drawing/2014/main" id="{72D4108C-0D58-98A6-CB4C-C23555CD4EE2}"/>
+          <p:cNvPr id="5" name="Content Placeholder 4" descr="Chart, pie chart&#10;&#10;Description automatically generated">
+            <a:extLst>
+              <a:ext uri="{FF2B5EF4-FFF2-40B4-BE49-F238E27FC236}">
+                <a16:creationId xmlns:a16="http://schemas.microsoft.com/office/drawing/2014/main" id="{9EF6EE09-7C9D-049F-7728-A8B27B00E288}"/>
               </a:ext>
             </a:extLst>
           </p:cNvPr>
@@ -6560,15 +6780,18 @@
         </p:blipFill>
         <p:spPr>
           <a:xfrm>
-            <a:off x="3532452" y="957264"/>
-            <a:ext cx="9493330" cy="5000624"/>
-          </a:xfrm>
+            <a:off x="4032514" y="482601"/>
+            <a:ext cx="6375399" cy="6375399"/>
+          </a:xfrm>
+          <a:prstGeom prst="rect">
+            <a:avLst/>
+          </a:prstGeom>
         </p:spPr>
       </p:pic>
     </p:spTree>
     <p:extLst>
       <p:ext uri="{BB962C8B-B14F-4D97-AF65-F5344CB8AC3E}">
-        <p14:creationId xmlns:p14="http://schemas.microsoft.com/office/powerpoint/2010/main" val="1398089268"/>
+        <p14:creationId xmlns:p14="http://schemas.microsoft.com/office/powerpoint/2010/main" val="503466689"/>
       </p:ext>
     </p:extLst>
   </p:cSld>
@@ -6603,41 +6826,12 @@
           <a:chExt cx="0" cy="0"/>
         </a:xfrm>
       </p:grpSpPr>
-      <p:pic>
-        <p:nvPicPr>
-          <p:cNvPr id="5" name="Picture 4" descr="Bottles in a production line">
-            <a:extLst>
-              <a:ext uri="{FF2B5EF4-FFF2-40B4-BE49-F238E27FC236}">
-                <a16:creationId xmlns:a16="http://schemas.microsoft.com/office/drawing/2014/main" id="{FE5D3CC6-656C-7C21-336E-30FC44811159}"/>
-              </a:ext>
-            </a:extLst>
-          </p:cNvPr>
-          <p:cNvPicPr>
-            <a:picLocks noChangeAspect="1"/>
-          </p:cNvPicPr>
-          <p:nvPr/>
-        </p:nvPicPr>
-        <p:blipFill rotWithShape="1">
-          <a:blip r:embed="rId2"/>
-          <a:srcRect t="15730"/>
-          <a:stretch/>
-        </p:blipFill>
-        <p:spPr>
-          <a:xfrm>
-            <a:off x="20" y="10"/>
-            <a:ext cx="12191980" cy="6857990"/>
-          </a:xfrm>
-          <a:prstGeom prst="rect">
-            <a:avLst/>
-          </a:prstGeom>
-        </p:spPr>
-      </p:pic>
-      <p:sp>
-        <p:nvSpPr>
-          <p:cNvPr id="9" name="Rectangle 8">
-            <a:extLst>
-              <a:ext uri="{FF2B5EF4-FFF2-40B4-BE49-F238E27FC236}">
-                <a16:creationId xmlns:a16="http://schemas.microsoft.com/office/drawing/2014/main" id="{37C89E4B-3C9F-44B9-8B86-D9E3D112D8EC}"/>
+      <p:sp>
+        <p:nvSpPr>
+          <p:cNvPr id="10" name="Rectangle 9">
+            <a:extLst>
+              <a:ext uri="{FF2B5EF4-FFF2-40B4-BE49-F238E27FC236}">
+                <a16:creationId xmlns:a16="http://schemas.microsoft.com/office/drawing/2014/main" id="{6753252F-4873-4F63-801D-CC719279A7D5}"/>
               </a:ext>
               <a:ext uri="{C183D7F6-B498-43B3-948B-1728B52AA6E4}">
                 <adec:decorative xmlns:adec="http://schemas.microsoft.com/office/drawing/2017/decorative" val="1"/>
@@ -6657,16 +6851,14 @@
         </p:nvSpPr>
         <p:spPr>
           <a:xfrm>
-            <a:off x="0" y="5320142"/>
-            <a:ext cx="12192000" cy="736551"/>
+            <a:off x="0" y="0"/>
+            <a:ext cx="12192000" cy="6858000"/>
           </a:xfrm>
           <a:prstGeom prst="rect">
             <a:avLst/>
           </a:prstGeom>
           <a:solidFill>
-            <a:schemeClr val="bg1">
-              <a:alpha val="93000"/>
-            </a:schemeClr>
+            <a:srgbClr val="FFFFFF"/>
           </a:solidFill>
           <a:ln>
             <a:noFill/>
@@ -6699,62 +6891,19 @@
       </p:sp>
       <p:sp>
         <p:nvSpPr>
-          <p:cNvPr id="2" name="Title 1">
-            <a:extLst>
-              <a:ext uri="{FF2B5EF4-FFF2-40B4-BE49-F238E27FC236}">
-                <a16:creationId xmlns:a16="http://schemas.microsoft.com/office/drawing/2014/main" id="{A3FBC2AB-3D85-0096-7016-1AFA951B434D}"/>
-              </a:ext>
-            </a:extLst>
-          </p:cNvPr>
-          <p:cNvSpPr>
-            <a:spLocks noGrp="1"/>
-          </p:cNvSpPr>
-          <p:nvPr>
-            <p:ph type="title"/>
-          </p:nvPr>
-        </p:nvSpPr>
-        <p:spPr>
-          <a:xfrm>
-            <a:off x="523875" y="5317240"/>
-            <a:ext cx="11210925" cy="744836"/>
-          </a:xfrm>
-        </p:spPr>
-        <p:txBody>
-          <a:bodyPr vert="horz" lIns="91440" tIns="45720" rIns="91440" bIns="45720" rtlCol="0" anchor="ctr">
-            <a:normAutofit/>
-          </a:bodyPr>
-          <a:lstStyle/>
-          <a:p>
-            <a:pPr algn="ctr"/>
-            <a:r>
-              <a:rPr lang="en-US" sz="3600" dirty="0">
-                <a:solidFill>
-                  <a:schemeClr val="tx1">
-                    <a:lumMod val="85000"/>
-                    <a:lumOff val="15000"/>
-                  </a:schemeClr>
-                </a:solidFill>
-              </a:rPr>
-              <a:t>Beer Sales </a:t>
-            </a:r>
-          </a:p>
-        </p:txBody>
-      </p:sp>
-      <p:cxnSp>
-        <p:nvCxnSpPr>
-          <p:cNvPr id="11" name="Straight Connector 10">
-            <a:extLst>
-              <a:ext uri="{FF2B5EF4-FFF2-40B4-BE49-F238E27FC236}">
-                <a16:creationId xmlns:a16="http://schemas.microsoft.com/office/drawing/2014/main" id="{AA2EAA10-076F-46BD-8F0F-B9A2FB77A85C}"/>
+          <p:cNvPr id="12" name="Rectangle 11">
+            <a:extLst>
+              <a:ext uri="{FF2B5EF4-FFF2-40B4-BE49-F238E27FC236}">
+                <a16:creationId xmlns:a16="http://schemas.microsoft.com/office/drawing/2014/main" id="{047C8CCB-F95D-4249-92DD-651249D3535A}"/>
               </a:ext>
               <a:ext uri="{C183D7F6-B498-43B3-948B-1728B52AA6E4}">
                 <adec:decorative xmlns:adec="http://schemas.microsoft.com/office/drawing/2017/decorative" val="1"/>
               </a:ext>
             </a:extLst>
           </p:cNvPr>
-          <p:cNvCxnSpPr>
-            <a:cxnSpLocks noGrp="1" noRot="1" noChangeAspect="1" noMove="1" noResize="1" noEditPoints="1" noAdjustHandles="1" noChangeArrowheads="1" noChangeShapeType="1"/>
-          </p:cNvCxnSpPr>
+          <p:cNvSpPr>
+            <a:spLocks noGrp="1" noRot="1" noChangeAspect="1" noMove="1" noResize="1" noEditPoints="1" noAdjustHandles="1" noChangeArrowheads="1" noChangeShapeType="1" noTextEdit="1"/>
+          </p:cNvSpPr>
           <p:nvPr>
             <p:extLst>
               <p:ext uri="{386F3935-93C4-4BCD-93E2-E3B085C9AB24}">
@@ -6762,96 +6911,134 @@
               </p:ext>
             </p:extLst>
           </p:nvPr>
-        </p:nvCxnSpPr>
-        <p:spPr>
-          <a:xfrm>
-            <a:off x="0" y="5241983"/>
-            <a:ext cx="12192000" cy="0"/>
-          </a:xfrm>
-          <a:prstGeom prst="line">
+        </p:nvSpPr>
+        <p:spPr>
+          <a:xfrm>
+            <a:off x="0" y="0"/>
+            <a:ext cx="2013557" cy="6858000"/>
+          </a:xfrm>
+          <a:prstGeom prst="rect">
             <a:avLst/>
           </a:prstGeom>
-          <a:ln w="41275">
-            <a:solidFill>
-              <a:schemeClr val="bg1">
-                <a:alpha val="90000"/>
-              </a:schemeClr>
-            </a:solidFill>
+          <a:solidFill>
+            <a:srgbClr val="7F7F7F"/>
+          </a:solidFill>
+          <a:ln>
+            <a:noFill/>
           </a:ln>
         </p:spPr>
         <p:style>
-          <a:lnRef idx="1">
-            <a:schemeClr val="accent1"/>
+          <a:lnRef idx="2">
+            <a:schemeClr val="accent1">
+              <a:shade val="50000"/>
+            </a:schemeClr>
           </a:lnRef>
-          <a:fillRef idx="0">
+          <a:fillRef idx="1">
             <a:schemeClr val="accent1"/>
           </a:fillRef>
           <a:effectRef idx="0">
             <a:schemeClr val="accent1"/>
           </a:effectRef>
           <a:fontRef idx="minor">
-            <a:schemeClr val="tx1"/>
+            <a:schemeClr val="lt1"/>
           </a:fontRef>
         </p:style>
-      </p:cxnSp>
-      <p:cxnSp>
-        <p:nvCxnSpPr>
-          <p:cNvPr id="13" name="Straight Connector 12">
-            <a:extLst>
-              <a:ext uri="{FF2B5EF4-FFF2-40B4-BE49-F238E27FC236}">
-                <a16:creationId xmlns:a16="http://schemas.microsoft.com/office/drawing/2014/main" id="{D891E407-403B-4764-86C9-33A56D3BCAA3}"/>
-              </a:ext>
-              <a:ext uri="{C183D7F6-B498-43B3-948B-1728B52AA6E4}">
-                <adec:decorative xmlns:adec="http://schemas.microsoft.com/office/drawing/2017/decorative" val="1"/>
-              </a:ext>
-            </a:extLst>
-          </p:cNvPr>
-          <p:cNvCxnSpPr>
-            <a:cxnSpLocks noGrp="1" noRot="1" noChangeAspect="1" noMove="1" noResize="1" noEditPoints="1" noAdjustHandles="1" noChangeArrowheads="1" noChangeShapeType="1"/>
-          </p:cNvCxnSpPr>
-          <p:nvPr>
-            <p:extLst>
-              <p:ext uri="{386F3935-93C4-4BCD-93E2-E3B085C9AB24}">
-                <p16:designElem xmlns:p16="http://schemas.microsoft.com/office/powerpoint/2015/main" val="1"/>
-              </p:ext>
-            </p:extLst>
-          </p:nvPr>
-        </p:nvCxnSpPr>
-        <p:spPr>
-          <a:xfrm>
-            <a:off x="0" y="6134852"/>
-            <a:ext cx="12192000" cy="0"/>
-          </a:xfrm>
-          <a:prstGeom prst="line">
+        <p:txBody>
+          <a:bodyPr rtlCol="0" anchor="ctr"/>
+          <a:lstStyle/>
+          <a:p>
+            <a:pPr algn="ctr"/>
+            <a:endParaRPr lang="en-US"/>
+          </a:p>
+        </p:txBody>
+      </p:sp>
+      <p:sp>
+        <p:nvSpPr>
+          <p:cNvPr id="2" name="Title 1">
+            <a:extLst>
+              <a:ext uri="{FF2B5EF4-FFF2-40B4-BE49-F238E27FC236}">
+                <a16:creationId xmlns:a16="http://schemas.microsoft.com/office/drawing/2014/main" id="{596AC4CB-FFF4-A080-C667-1C8E5AF814DC}"/>
+              </a:ext>
+            </a:extLst>
+          </p:cNvPr>
+          <p:cNvSpPr>
+            <a:spLocks noGrp="1"/>
+          </p:cNvSpPr>
+          <p:nvPr>
+            <p:ph type="title"/>
+          </p:nvPr>
+        </p:nvSpPr>
+        <p:spPr>
+          <a:xfrm>
+            <a:off x="468630" y="2074362"/>
+            <a:ext cx="2752354" cy="2709275"/>
+          </a:xfrm>
+          <a:prstGeom prst="ellipse">
             <a:avLst/>
           </a:prstGeom>
-          <a:ln w="41275">
+          <a:solidFill>
+            <a:srgbClr val="262626"/>
+          </a:solidFill>
+          <a:ln w="174625" cmpd="thinThick">
             <a:solidFill>
-              <a:schemeClr val="bg1">
-                <a:alpha val="90000"/>
-              </a:schemeClr>
+              <a:srgbClr val="262626"/>
             </a:solidFill>
           </a:ln>
         </p:spPr>
-        <p:style>
-          <a:lnRef idx="1">
-            <a:schemeClr val="accent1"/>
-          </a:lnRef>
-          <a:fillRef idx="0">
-            <a:schemeClr val="accent1"/>
-          </a:fillRef>
-          <a:effectRef idx="0">
-            <a:schemeClr val="accent1"/>
-          </a:effectRef>
-          <a:fontRef idx="minor">
-            <a:schemeClr val="tx1"/>
-          </a:fontRef>
-        </p:style>
-      </p:cxnSp>
+        <p:txBody>
+          <a:bodyPr vert="horz" lIns="91440" tIns="45720" rIns="91440" bIns="45720" rtlCol="0" anchor="ctr">
+            <a:normAutofit/>
+          </a:bodyPr>
+          <a:lstStyle/>
+          <a:p>
+            <a:pPr algn="ctr"/>
+            <a:r>
+              <a:rPr lang="en-US" sz="2600" kern="1200" dirty="0">
+                <a:solidFill>
+                  <a:srgbClr val="FFFFFF"/>
+                </a:solidFill>
+                <a:latin typeface="+mj-lt"/>
+                <a:ea typeface="+mj-ea"/>
+                <a:cs typeface="+mj-cs"/>
+              </a:rPr>
+              <a:t>Wine Sales By Business</a:t>
+            </a:r>
+          </a:p>
+        </p:txBody>
+      </p:sp>
+      <p:pic>
+        <p:nvPicPr>
+          <p:cNvPr id="9" name="Content Placeholder 8" descr="Chart&#10;&#10;Description automatically generated">
+            <a:extLst>
+              <a:ext uri="{FF2B5EF4-FFF2-40B4-BE49-F238E27FC236}">
+                <a16:creationId xmlns:a16="http://schemas.microsoft.com/office/drawing/2014/main" id="{72D4108C-0D58-98A6-CB4C-C23555CD4EE2}"/>
+              </a:ext>
+            </a:extLst>
+          </p:cNvPr>
+          <p:cNvPicPr>
+            <a:picLocks noGrp="1" noChangeAspect="1"/>
+          </p:cNvPicPr>
+          <p:nvPr>
+            <p:ph idx="1"/>
+          </p:nvPr>
+        </p:nvPicPr>
+        <p:blipFill>
+          <a:blip r:embed="rId2"/>
+          <a:stretch>
+            <a:fillRect/>
+          </a:stretch>
+        </p:blipFill>
+        <p:spPr>
+          <a:xfrm>
+            <a:off x="3532452" y="957264"/>
+            <a:ext cx="9493330" cy="5000624"/>
+          </a:xfrm>
+        </p:spPr>
+      </p:pic>
     </p:spTree>
     <p:extLst>
       <p:ext uri="{BB962C8B-B14F-4D97-AF65-F5344CB8AC3E}">
-        <p14:creationId xmlns:p14="http://schemas.microsoft.com/office/powerpoint/2010/main" val="2019411917"/>
+        <p14:creationId xmlns:p14="http://schemas.microsoft.com/office/powerpoint/2010/main" val="1398089268"/>
       </p:ext>
     </p:extLst>
   </p:cSld>

--- a/Alcohol Sales in Texas.pptx
+++ b/Alcohol Sales in Texas.pptx
@@ -5181,7 +5181,7 @@
         <p:spPr/>
         <p:txBody>
           <a:bodyPr>
-            <a:normAutofit fontScale="92500" lnSpcReduction="20000"/>
+            <a:normAutofit fontScale="85000" lnSpcReduction="10000"/>
           </a:bodyPr>
           <a:lstStyle/>
           <a:p>
@@ -5200,6 +5200,17 @@
             <a:r>
               <a:rPr lang="en-US" dirty="0"/>
               <a:t>Line graph showing the sales per city over the 4 year period(2018-2022)</a:t>
+            </a:r>
+          </a:p>
+          <a:p>
+            <a:pPr lvl="1"/>
+            <a:r>
+              <a:rPr lang="en-US"/>
+              <a:t>Accomplished </a:t>
+            </a:r>
+            <a:r>
+              <a:rPr lang="en-US" dirty="0"/>
+              <a:t>using excel pivot and charts</a:t>
             </a:r>
           </a:p>
           <a:p>
